--- a/docs/Docker Presentation.pptx
+++ b/docs/Docker Presentation.pptx
@@ -5,7 +5,7 @@
     <p:sldMasterId id="2147483852" r:id="rId1"/>
   </p:sldMasterIdLst>
   <p:notesMasterIdLst>
-    <p:notesMasterId r:id="rId20"/>
+    <p:notesMasterId r:id="rId27"/>
   </p:notesMasterIdLst>
   <p:sldIdLst>
     <p:sldId id="256" r:id="rId2"/>
@@ -24,8 +24,15 @@
     <p:sldId id="268" r:id="rId15"/>
     <p:sldId id="267" r:id="rId16"/>
     <p:sldId id="272" r:id="rId17"/>
-    <p:sldId id="273" r:id="rId18"/>
-    <p:sldId id="263" r:id="rId19"/>
+    <p:sldId id="277" r:id="rId18"/>
+    <p:sldId id="275" r:id="rId19"/>
+    <p:sldId id="280" r:id="rId20"/>
+    <p:sldId id="276" r:id="rId21"/>
+    <p:sldId id="281" r:id="rId22"/>
+    <p:sldId id="279" r:id="rId23"/>
+    <p:sldId id="274" r:id="rId24"/>
+    <p:sldId id="273" r:id="rId25"/>
+    <p:sldId id="263" r:id="rId26"/>
   </p:sldIdLst>
   <p:sldSz cx="12192000" cy="6858000"/>
   <p:notesSz cx="6858000" cy="9144000"/>
@@ -214,7 +221,7 @@
           <a:p>
             <a:fld id="{52B378F2-17C6-C64F-B68E-D603D61F9FDC}" type="datetimeFigureOut">
               <a:rPr lang="en-US" smtClean="0"/>
-              <a:t>11/18/20</a:t>
+              <a:t>11/20/20</a:t>
             </a:fld>
             <a:endParaRPr lang="en-US"/>
           </a:p>
@@ -1633,6 +1640,90 @@
 </p:notes>
 </file>
 
+<file path=ppt/notesSlides/notesSlide9.xml><?xml version="1.0" encoding="utf-8"?>
+<p:notes xmlns:a="http://schemas.openxmlformats.org/drawingml/2006/main" xmlns:r="http://schemas.openxmlformats.org/officeDocument/2006/relationships" xmlns:p="http://schemas.openxmlformats.org/presentationml/2006/main">
+  <p:cSld>
+    <p:spTree>
+      <p:nvGrpSpPr>
+        <p:cNvPr id="1" name=""/>
+        <p:cNvGrpSpPr/>
+        <p:nvPr/>
+      </p:nvGrpSpPr>
+      <p:grpSpPr>
+        <a:xfrm>
+          <a:off x="0" y="0"/>
+          <a:ext cx="0" cy="0"/>
+          <a:chOff x="0" y="0"/>
+          <a:chExt cx="0" cy="0"/>
+        </a:xfrm>
+      </p:grpSpPr>
+      <p:sp>
+        <p:nvSpPr>
+          <p:cNvPr id="2" name="Slide Image Placeholder 1"/>
+          <p:cNvSpPr>
+            <a:spLocks noGrp="1" noRot="1" noChangeAspect="1"/>
+          </p:cNvSpPr>
+          <p:nvPr>
+            <p:ph type="sldImg"/>
+          </p:nvPr>
+        </p:nvSpPr>
+        <p:spPr/>
+      </p:sp>
+      <p:sp>
+        <p:nvSpPr>
+          <p:cNvPr id="3" name="Notes Placeholder 2"/>
+          <p:cNvSpPr>
+            <a:spLocks noGrp="1"/>
+          </p:cNvSpPr>
+          <p:nvPr>
+            <p:ph type="body" idx="1"/>
+          </p:nvPr>
+        </p:nvSpPr>
+        <p:spPr/>
+        <p:txBody>
+          <a:bodyPr/>
+          <a:lstStyle/>
+          <a:p>
+            <a:endParaRPr lang="en-US" dirty="0"/>
+          </a:p>
+        </p:txBody>
+      </p:sp>
+      <p:sp>
+        <p:nvSpPr>
+          <p:cNvPr id="4" name="Slide Number Placeholder 3"/>
+          <p:cNvSpPr>
+            <a:spLocks noGrp="1"/>
+          </p:cNvSpPr>
+          <p:nvPr>
+            <p:ph type="sldNum" sz="quarter" idx="5"/>
+          </p:nvPr>
+        </p:nvSpPr>
+        <p:spPr/>
+        <p:txBody>
+          <a:bodyPr/>
+          <a:lstStyle/>
+          <a:p>
+            <a:fld id="{4C688C65-36E3-AF4E-91B7-96CF921D117F}" type="slidenum">
+              <a:rPr lang="en-US" smtClean="0"/>
+              <a:t>23</a:t>
+            </a:fld>
+            <a:endParaRPr lang="en-US"/>
+          </a:p>
+        </p:txBody>
+      </p:sp>
+    </p:spTree>
+    <p:extLst>
+      <p:ext uri="{BB962C8B-B14F-4D97-AF65-F5344CB8AC3E}">
+        <p14:creationId xmlns:p14="http://schemas.microsoft.com/office/powerpoint/2010/main" val="787360031"/>
+      </p:ext>
+    </p:extLst>
+  </p:cSld>
+  <p:clrMapOvr>
+    <a:masterClrMapping/>
+  </p:clrMapOvr>
+</p:notes>
+</file>
+
 <file path=ppt/slideLayouts/slideLayout1.xml><?xml version="1.0" encoding="utf-8"?>
 <p:sldLayout xmlns:a="http://schemas.openxmlformats.org/drawingml/2006/main" xmlns:r="http://schemas.openxmlformats.org/officeDocument/2006/relationships" xmlns:p="http://schemas.openxmlformats.org/presentationml/2006/main" type="title" preserve="1">
   <p:cSld name="Title Slide">
@@ -1819,7 +1910,7 @@
           <a:p>
             <a:fld id="{575D8BAF-3FF6-814B-AAE1-84E948FEC9F3}" type="datetimeFigureOut">
               <a:rPr lang="en-US" smtClean="0"/>
-              <a:t>11/18/20</a:t>
+              <a:t>11/20/20</a:t>
             </a:fld>
             <a:endParaRPr lang="en-US"/>
           </a:p>
@@ -2094,7 +2185,7 @@
           <a:p>
             <a:fld id="{575D8BAF-3FF6-814B-AAE1-84E948FEC9F3}" type="datetimeFigureOut">
               <a:rPr lang="en-US" smtClean="0"/>
-              <a:t>11/18/20</a:t>
+              <a:t>11/20/20</a:t>
             </a:fld>
             <a:endParaRPr lang="en-US"/>
           </a:p>
@@ -2288,7 +2379,7 @@
           <a:p>
             <a:fld id="{575D8BAF-3FF6-814B-AAE1-84E948FEC9F3}" type="datetimeFigureOut">
               <a:rPr lang="en-US" smtClean="0"/>
-              <a:t>11/18/20</a:t>
+              <a:t>11/20/20</a:t>
             </a:fld>
             <a:endParaRPr lang="en-US"/>
           </a:p>
@@ -2561,7 +2652,7 @@
           <a:p>
             <a:fld id="{575D8BAF-3FF6-814B-AAE1-84E948FEC9F3}" type="datetimeFigureOut">
               <a:rPr lang="en-US" smtClean="0"/>
-              <a:t>11/18/20</a:t>
+              <a:t>11/20/20</a:t>
             </a:fld>
             <a:endParaRPr lang="en-US"/>
           </a:p>
@@ -2902,7 +2993,7 @@
           <a:p>
             <a:fld id="{575D8BAF-3FF6-814B-AAE1-84E948FEC9F3}" type="datetimeFigureOut">
               <a:rPr lang="en-US" smtClean="0"/>
-              <a:t>11/18/20</a:t>
+              <a:t>11/20/20</a:t>
             </a:fld>
             <a:endParaRPr lang="en-US"/>
           </a:p>
@@ -3525,7 +3616,7 @@
           <a:p>
             <a:fld id="{575D8BAF-3FF6-814B-AAE1-84E948FEC9F3}" type="datetimeFigureOut">
               <a:rPr lang="en-US" smtClean="0"/>
-              <a:t>11/18/20</a:t>
+              <a:t>11/20/20</a:t>
             </a:fld>
             <a:endParaRPr lang="en-US"/>
           </a:p>
@@ -4385,7 +4476,7 @@
           <a:p>
             <a:fld id="{575D8BAF-3FF6-814B-AAE1-84E948FEC9F3}" type="datetimeFigureOut">
               <a:rPr lang="en-US" smtClean="0"/>
-              <a:t>11/18/20</a:t>
+              <a:t>11/20/20</a:t>
             </a:fld>
             <a:endParaRPr lang="en-US"/>
           </a:p>
@@ -4555,7 +4646,7 @@
           <a:p>
             <a:fld id="{575D8BAF-3FF6-814B-AAE1-84E948FEC9F3}" type="datetimeFigureOut">
               <a:rPr lang="en-US" smtClean="0"/>
-              <a:t>11/18/20</a:t>
+              <a:t>11/20/20</a:t>
             </a:fld>
             <a:endParaRPr lang="en-US"/>
           </a:p>
@@ -4735,7 +4826,7 @@
           <a:p>
             <a:fld id="{575D8BAF-3FF6-814B-AAE1-84E948FEC9F3}" type="datetimeFigureOut">
               <a:rPr lang="en-US" smtClean="0"/>
-              <a:t>11/18/20</a:t>
+              <a:t>11/20/20</a:t>
             </a:fld>
             <a:endParaRPr lang="en-US"/>
           </a:p>
@@ -4905,7 +4996,7 @@
           <a:p>
             <a:fld id="{575D8BAF-3FF6-814B-AAE1-84E948FEC9F3}" type="datetimeFigureOut">
               <a:rPr lang="en-US" smtClean="0"/>
-              <a:t>11/18/20</a:t>
+              <a:t>11/20/20</a:t>
             </a:fld>
             <a:endParaRPr lang="en-US"/>
           </a:p>
@@ -5152,7 +5243,7 @@
           <a:p>
             <a:fld id="{575D8BAF-3FF6-814B-AAE1-84E948FEC9F3}" type="datetimeFigureOut">
               <a:rPr lang="en-US" smtClean="0"/>
-              <a:t>11/18/20</a:t>
+              <a:t>11/20/20</a:t>
             </a:fld>
             <a:endParaRPr lang="en-US"/>
           </a:p>
@@ -5444,7 +5535,7 @@
           <a:p>
             <a:fld id="{575D8BAF-3FF6-814B-AAE1-84E948FEC9F3}" type="datetimeFigureOut">
               <a:rPr lang="en-US" smtClean="0"/>
-              <a:t>11/18/20</a:t>
+              <a:t>11/20/20</a:t>
             </a:fld>
             <a:endParaRPr lang="en-US"/>
           </a:p>
@@ -5888,7 +5979,7 @@
           <a:p>
             <a:fld id="{575D8BAF-3FF6-814B-AAE1-84E948FEC9F3}" type="datetimeFigureOut">
               <a:rPr lang="en-US" smtClean="0"/>
-              <a:t>11/18/20</a:t>
+              <a:t>11/20/20</a:t>
             </a:fld>
             <a:endParaRPr lang="en-US"/>
           </a:p>
@@ -6006,7 +6097,7 @@
           <a:p>
             <a:fld id="{575D8BAF-3FF6-814B-AAE1-84E948FEC9F3}" type="datetimeFigureOut">
               <a:rPr lang="en-US" smtClean="0"/>
-              <a:t>11/18/20</a:t>
+              <a:t>11/20/20</a:t>
             </a:fld>
             <a:endParaRPr lang="en-US"/>
           </a:p>
@@ -6101,7 +6192,7 @@
           <a:p>
             <a:fld id="{575D8BAF-3FF6-814B-AAE1-84E948FEC9F3}" type="datetimeFigureOut">
               <a:rPr lang="en-US" smtClean="0"/>
-              <a:t>11/18/20</a:t>
+              <a:t>11/20/20</a:t>
             </a:fld>
             <a:endParaRPr lang="en-US"/>
           </a:p>
@@ -6380,7 +6471,7 @@
           <a:p>
             <a:fld id="{575D8BAF-3FF6-814B-AAE1-84E948FEC9F3}" type="datetimeFigureOut">
               <a:rPr lang="en-US" smtClean="0"/>
-              <a:t>11/18/20</a:t>
+              <a:t>11/20/20</a:t>
             </a:fld>
             <a:endParaRPr lang="en-US"/>
           </a:p>
@@ -6655,7 +6746,7 @@
           <a:p>
             <a:fld id="{575D8BAF-3FF6-814B-AAE1-84E948FEC9F3}" type="datetimeFigureOut">
               <a:rPr lang="en-US" smtClean="0"/>
-              <a:t>11/18/20</a:t>
+              <a:t>11/20/20</a:t>
             </a:fld>
             <a:endParaRPr lang="en-US"/>
           </a:p>
@@ -7084,7 +7175,7 @@
           <a:p>
             <a:fld id="{575D8BAF-3FF6-814B-AAE1-84E948FEC9F3}" type="datetimeFigureOut">
               <a:rPr lang="en-US" smtClean="0"/>
-              <a:t>11/18/20</a:t>
+              <a:t>11/20/20</a:t>
             </a:fld>
             <a:endParaRPr lang="en-US"/>
           </a:p>
@@ -9747,7 +9838,7 @@
           <p:cNvPr id="2" name="Title 1">
             <a:extLst>
               <a:ext uri="{FF2B5EF4-FFF2-40B4-BE49-F238E27FC236}">
-                <a16:creationId xmlns:a16="http://schemas.microsoft.com/office/drawing/2014/main" id="{D22018C0-5D5D-8A4B-ACD0-FDFBD3B76642}"/>
+                <a16:creationId xmlns:a16="http://schemas.microsoft.com/office/drawing/2014/main" id="{C0921CA0-FFB0-FA45-A6F2-954D6C2FFB08}"/>
               </a:ext>
             </a:extLst>
           </p:cNvPr>
@@ -9765,8 +9856,12 @@
           <a:p>
             <a:r>
               <a:rPr lang="en-US" dirty="0"/>
-              <a:t>Volume</a:t>
-            </a:r>
+              <a:t>Manage data in Docker</a:t>
+            </a:r>
+            <a:br>
+              <a:rPr lang="en-US" dirty="0"/>
+            </a:br>
+            <a:endParaRPr lang="en-US" dirty="0"/>
           </a:p>
         </p:txBody>
       </p:sp>
@@ -9775,7 +9870,7 @@
           <p:cNvPr id="3" name="Content Placeholder 2">
             <a:extLst>
               <a:ext uri="{FF2B5EF4-FFF2-40B4-BE49-F238E27FC236}">
-                <a16:creationId xmlns:a16="http://schemas.microsoft.com/office/drawing/2014/main" id="{4892BBD4-3E93-C148-8DE0-15606FE0A519}"/>
+                <a16:creationId xmlns:a16="http://schemas.microsoft.com/office/drawing/2014/main" id="{6BFDF902-5C46-A440-A438-13CF217AD84F}"/>
               </a:ext>
             </a:extLst>
           </p:cNvPr>
@@ -9791,39 +9886,44 @@
           <a:bodyPr/>
           <a:lstStyle/>
           <a:p>
-            <a:r>
-              <a:rPr lang="en-US" dirty="0">
-                <a:hlinkClick r:id="rId2"/>
-              </a:rPr>
-              <a:t>https://docs.docker.com/storage/volumes/</a:t>
-            </a:r>
-            <a:endParaRPr lang="en-US" dirty="0"/>
-          </a:p>
-          <a:p>
-            <a:r>
-              <a:rPr lang="en-US" dirty="0"/>
-              <a:t>https://</a:t>
-            </a:r>
-            <a:r>
-              <a:rPr lang="en-US" dirty="0" err="1"/>
-              <a:t>stackoverflow.com</a:t>
-            </a:r>
-            <a:r>
-              <a:rPr lang="en-US" dirty="0"/>
-              <a:t>/questions/41935435/understanding-volume-instruction-in-</a:t>
-            </a:r>
-            <a:r>
-              <a:rPr lang="en-US" dirty="0" err="1"/>
-              <a:t>dockerfile</a:t>
-            </a:r>
-            <a:endParaRPr lang="en-US" dirty="0"/>
-          </a:p>
-        </p:txBody>
-      </p:sp>
+            <a:endParaRPr lang="en-US"/>
+          </a:p>
+        </p:txBody>
+      </p:sp>
+      <p:pic>
+        <p:nvPicPr>
+          <p:cNvPr id="4" name="Picture 3">
+            <a:extLst>
+              <a:ext uri="{FF2B5EF4-FFF2-40B4-BE49-F238E27FC236}">
+                <a16:creationId xmlns:a16="http://schemas.microsoft.com/office/drawing/2014/main" id="{CEEE00EF-02EA-664B-B34D-FC474E081029}"/>
+              </a:ext>
+            </a:extLst>
+          </p:cNvPr>
+          <p:cNvPicPr>
+            <a:picLocks noChangeAspect="1"/>
+          </p:cNvPicPr>
+          <p:nvPr/>
+        </p:nvPicPr>
+        <p:blipFill>
+          <a:blip r:embed="rId2"/>
+          <a:stretch>
+            <a:fillRect/>
+          </a:stretch>
+        </p:blipFill>
+        <p:spPr>
+          <a:xfrm>
+            <a:off x="848412" y="1672869"/>
+            <a:ext cx="10063453" cy="4955577"/>
+          </a:xfrm>
+          <a:prstGeom prst="rect">
+            <a:avLst/>
+          </a:prstGeom>
+        </p:spPr>
+      </p:pic>
     </p:spTree>
     <p:extLst>
       <p:ext uri="{BB962C8B-B14F-4D97-AF65-F5344CB8AC3E}">
-        <p14:creationId xmlns:p14="http://schemas.microsoft.com/office/powerpoint/2010/main" val="1465026524"/>
+        <p14:creationId xmlns:p14="http://schemas.microsoft.com/office/powerpoint/2010/main" val="3758581209"/>
       </p:ext>
     </p:extLst>
   </p:cSld>
@@ -9855,7 +9955,7 @@
           <p:cNvPr id="2" name="Title 1">
             <a:extLst>
               <a:ext uri="{FF2B5EF4-FFF2-40B4-BE49-F238E27FC236}">
-                <a16:creationId xmlns:a16="http://schemas.microsoft.com/office/drawing/2014/main" id="{9533CDCB-64D7-3C41-A0CC-C7AE77CD4A34}"/>
+                <a16:creationId xmlns:a16="http://schemas.microsoft.com/office/drawing/2014/main" id="{6A7D0CE5-9C69-7542-8DD1-831C514D12AC}"/>
               </a:ext>
             </a:extLst>
           </p:cNvPr>
@@ -9873,65 +9973,1133 @@
           <a:p>
             <a:r>
               <a:rPr lang="en-US" dirty="0"/>
-              <a:t>reference</a:t>
-            </a:r>
-          </a:p>
-        </p:txBody>
-      </p:sp>
-      <p:sp>
-        <p:nvSpPr>
-          <p:cNvPr id="3" name="Content Placeholder 2">
+              <a:t>Bind</a:t>
+            </a:r>
+          </a:p>
+        </p:txBody>
+      </p:sp>
+      <p:pic>
+        <p:nvPicPr>
+          <p:cNvPr id="4" name="Content Placeholder 3">
             <a:extLst>
               <a:ext uri="{FF2B5EF4-FFF2-40B4-BE49-F238E27FC236}">
-                <a16:creationId xmlns:a16="http://schemas.microsoft.com/office/drawing/2014/main" id="{F2CCFC75-E68E-A349-B534-82039A9BBA79}"/>
+                <a16:creationId xmlns:a16="http://schemas.microsoft.com/office/drawing/2014/main" id="{1DF1E03D-789D-7344-9581-E512FE61740E}"/>
               </a:ext>
             </a:extLst>
           </p:cNvPr>
-          <p:cNvSpPr>
-            <a:spLocks noGrp="1"/>
-          </p:cNvSpPr>
+          <p:cNvPicPr>
+            <a:picLocks noGrp="1" noChangeAspect="1"/>
+          </p:cNvPicPr>
           <p:nvPr>
             <p:ph idx="1"/>
           </p:nvPr>
-        </p:nvSpPr>
-        <p:spPr/>
-        <p:txBody>
-          <a:bodyPr/>
-          <a:lstStyle/>
-          <a:p>
-            <a:r>
-              <a:rPr lang="en-US" dirty="0">
-                <a:hlinkClick r:id="rId2"/>
-              </a:rPr>
-              <a:t>https://docs.docker.com/engine/reference</a:t>
-            </a:r>
-            <a:endParaRPr lang="en-US" dirty="0"/>
-          </a:p>
-          <a:p>
-            <a:r>
-              <a:rPr lang="en-US" dirty="0"/>
-              <a:t>https://</a:t>
-            </a:r>
-            <a:r>
-              <a:rPr lang="en-US" dirty="0" err="1"/>
-              <a:t>www.infoworld.com</a:t>
-            </a:r>
-            <a:r>
-              <a:rPr lang="en-US" dirty="0"/>
-              <a:t>/article/3310941/why-you-should-use-docker-and-</a:t>
-            </a:r>
-            <a:r>
-              <a:rPr lang="en-US" dirty="0" err="1"/>
-              <a:t>containers.html</a:t>
-            </a:r>
-            <a:endParaRPr lang="en-US" dirty="0"/>
-          </a:p>
-        </p:txBody>
-      </p:sp>
+        </p:nvPicPr>
+        <p:blipFill>
+          <a:blip r:embed="rId2"/>
+          <a:stretch>
+            <a:fillRect/>
+          </a:stretch>
+        </p:blipFill>
+        <p:spPr>
+          <a:xfrm>
+            <a:off x="1405341" y="2578173"/>
+            <a:ext cx="8947150" cy="2266324"/>
+          </a:xfrm>
+          <a:prstGeom prst="rect">
+            <a:avLst/>
+          </a:prstGeom>
+        </p:spPr>
+      </p:pic>
     </p:spTree>
     <p:extLst>
       <p:ext uri="{BB962C8B-B14F-4D97-AF65-F5344CB8AC3E}">
-        <p14:creationId xmlns:p14="http://schemas.microsoft.com/office/powerpoint/2010/main" val="2751637536"/>
+        <p14:creationId xmlns:p14="http://schemas.microsoft.com/office/powerpoint/2010/main" val="4042757713"/>
+      </p:ext>
+    </p:extLst>
+  </p:cSld>
+  <p:clrMapOvr>
+    <a:masterClrMapping/>
+  </p:clrMapOvr>
+</p:sld>
+</file>
+
+<file path=ppt/slides/slide19.xml><?xml version="1.0" encoding="utf-8"?>
+<p:sld xmlns:a="http://schemas.openxmlformats.org/drawingml/2006/main" xmlns:r="http://schemas.openxmlformats.org/officeDocument/2006/relationships" xmlns:p="http://schemas.openxmlformats.org/presentationml/2006/main">
+  <p:cSld>
+    <p:bg>
+      <p:bgPr>
+        <a:blipFill rotWithShape="1">
+          <a:blip r:embed="rId2">
+            <a:duotone>
+              <a:schemeClr val="bg2">
+                <a:shade val="69000"/>
+                <a:hueMod val="108000"/>
+                <a:satMod val="164000"/>
+                <a:lumMod val="74000"/>
+              </a:schemeClr>
+              <a:schemeClr val="bg2">
+                <a:tint val="96000"/>
+                <a:hueMod val="88000"/>
+                <a:satMod val="140000"/>
+                <a:lumMod val="132000"/>
+              </a:schemeClr>
+            </a:duotone>
+            <a:extLst/>
+          </a:blip>
+          <a:stretch/>
+        </a:blipFill>
+        <a:effectLst/>
+      </p:bgPr>
+    </p:bg>
+    <p:spTree>
+      <p:nvGrpSpPr>
+        <p:cNvPr id="1" name=""/>
+        <p:cNvGrpSpPr/>
+        <p:nvPr/>
+      </p:nvGrpSpPr>
+      <p:grpSpPr>
+        <a:xfrm>
+          <a:off x="0" y="0"/>
+          <a:ext cx="0" cy="0"/>
+          <a:chOff x="0" y="0"/>
+          <a:chExt cx="0" cy="0"/>
+        </a:xfrm>
+      </p:grpSpPr>
+      <p:sp>
+        <p:nvSpPr>
+          <p:cNvPr id="35" name="Title 1">
+            <a:extLst>
+              <a:ext uri="{FF2B5EF4-FFF2-40B4-BE49-F238E27FC236}">
+                <a16:creationId xmlns:a16="http://schemas.microsoft.com/office/drawing/2014/main" id="{8AACE3EB-7537-CF4F-AB98-DA2520BE458F}"/>
+              </a:ext>
+            </a:extLst>
+          </p:cNvPr>
+          <p:cNvSpPr>
+            <a:spLocks noGrp="1"/>
+          </p:cNvSpPr>
+          <p:nvPr>
+            <p:ph type="title"/>
+          </p:nvPr>
+        </p:nvSpPr>
+        <p:spPr>
+          <a:xfrm>
+            <a:off x="646111" y="410070"/>
+            <a:ext cx="3105075" cy="1444750"/>
+          </a:xfrm>
+        </p:spPr>
+        <p:txBody>
+          <a:bodyPr anchor="b">
+            <a:normAutofit/>
+          </a:bodyPr>
+          <a:lstStyle/>
+          <a:p>
+            <a:r>
+              <a:rPr lang="en-US" sz="3200" dirty="0"/>
+              <a:t>Bind in docker run</a:t>
+            </a:r>
+          </a:p>
+        </p:txBody>
+      </p:sp>
+      <p:sp>
+        <p:nvSpPr>
+          <p:cNvPr id="40" name="Freeform: Shape 39">
+            <a:extLst>
+              <a:ext uri="{FF2B5EF4-FFF2-40B4-BE49-F238E27FC236}">
+                <a16:creationId xmlns:a16="http://schemas.microsoft.com/office/drawing/2014/main" id="{18073EE4-EB60-444A-A7EA-82035FCDE085}"/>
+              </a:ext>
+              <a:ext uri="{C183D7F6-B498-43B3-948B-1728B52AA6E4}">
+                <adec:decorative xmlns:adec="http://schemas.microsoft.com/office/drawing/2017/decorative" val="1"/>
+              </a:ext>
+            </a:extLst>
+          </p:cNvPr>
+          <p:cNvSpPr>
+            <a:spLocks noGrp="1" noRot="1" noChangeAspect="1" noMove="1" noResize="1" noEditPoints="1" noAdjustHandles="1" noChangeArrowheads="1" noChangeShapeType="1" noTextEdit="1"/>
+          </p:cNvSpPr>
+          <p:nvPr>
+            <p:extLst>
+              <p:ext uri="{386F3935-93C4-4BCD-93E2-E3B085C9AB24}">
+                <p16:designElem xmlns:p16="http://schemas.microsoft.com/office/powerpoint/2015/main" val="1"/>
+              </p:ext>
+            </p:extLst>
+          </p:nvPr>
+        </p:nvSpPr>
+        <p:spPr bwMode="gray">
+          <a:xfrm rot="16200000">
+            <a:off x="4747655" y="-586345"/>
+            <a:ext cx="6858001" cy="8030691"/>
+          </a:xfrm>
+          <a:custGeom>
+            <a:avLst/>
+            <a:gdLst>
+              <a:gd name="connsiteX0" fmla="*/ 6858001 w 6858001"/>
+              <a:gd name="connsiteY0" fmla="*/ 1177 h 8030691"/>
+              <a:gd name="connsiteX1" fmla="*/ 6858001 w 6858001"/>
+              <a:gd name="connsiteY1" fmla="*/ 1344715 h 8030691"/>
+              <a:gd name="connsiteX2" fmla="*/ 6858000 w 6858001"/>
+              <a:gd name="connsiteY2" fmla="*/ 1344715 h 8030691"/>
+              <a:gd name="connsiteX3" fmla="*/ 6858000 w 6858001"/>
+              <a:gd name="connsiteY3" fmla="*/ 8030691 h 8030691"/>
+              <a:gd name="connsiteX4" fmla="*/ 0 w 6858001"/>
+              <a:gd name="connsiteY4" fmla="*/ 8030690 h 8030691"/>
+              <a:gd name="connsiteX5" fmla="*/ 0 w 6858001"/>
+              <a:gd name="connsiteY5" fmla="*/ 477747 h 8030691"/>
+              <a:gd name="connsiteX6" fmla="*/ 1 w 6858001"/>
+              <a:gd name="connsiteY6" fmla="*/ 477747 h 8030691"/>
+              <a:gd name="connsiteX7" fmla="*/ 1 w 6858001"/>
+              <a:gd name="connsiteY7" fmla="*/ 0 h 8030691"/>
+              <a:gd name="connsiteX8" fmla="*/ 40463 w 6858001"/>
+              <a:gd name="connsiteY8" fmla="*/ 5883 h 8030691"/>
+              <a:gd name="connsiteX9" fmla="*/ 159107 w 6858001"/>
+              <a:gd name="connsiteY9" fmla="*/ 23196 h 8030691"/>
+              <a:gd name="connsiteX10" fmla="*/ 245518 w 6858001"/>
+              <a:gd name="connsiteY10" fmla="*/ 35299 h 8030691"/>
+              <a:gd name="connsiteX11" fmla="*/ 348388 w 6858001"/>
+              <a:gd name="connsiteY11" fmla="*/ 48074 h 8030691"/>
+              <a:gd name="connsiteX12" fmla="*/ 470460 w 6858001"/>
+              <a:gd name="connsiteY12" fmla="*/ 63370 h 8030691"/>
+              <a:gd name="connsiteX13" fmla="*/ 605563 w 6858001"/>
+              <a:gd name="connsiteY13" fmla="*/ 79507 h 8030691"/>
+              <a:gd name="connsiteX14" fmla="*/ 757810 w 6858001"/>
+              <a:gd name="connsiteY14" fmla="*/ 96484 h 8030691"/>
+              <a:gd name="connsiteX15" fmla="*/ 923774 w 6858001"/>
+              <a:gd name="connsiteY15" fmla="*/ 114469 h 8030691"/>
+              <a:gd name="connsiteX16" fmla="*/ 1104139 w 6858001"/>
+              <a:gd name="connsiteY16" fmla="*/ 132455 h 8030691"/>
+              <a:gd name="connsiteX17" fmla="*/ 1296163 w 6858001"/>
+              <a:gd name="connsiteY17" fmla="*/ 150776 h 8030691"/>
+              <a:gd name="connsiteX18" fmla="*/ 1503275 w 6858001"/>
+              <a:gd name="connsiteY18" fmla="*/ 167753 h 8030691"/>
+              <a:gd name="connsiteX19" fmla="*/ 1719988 w 6858001"/>
+              <a:gd name="connsiteY19" fmla="*/ 184058 h 8030691"/>
+              <a:gd name="connsiteX20" fmla="*/ 1949045 w 6858001"/>
+              <a:gd name="connsiteY20" fmla="*/ 198850 h 8030691"/>
+              <a:gd name="connsiteX21" fmla="*/ 2187703 w 6858001"/>
+              <a:gd name="connsiteY21" fmla="*/ 212969 h 8030691"/>
+              <a:gd name="connsiteX22" fmla="*/ 2436649 w 6858001"/>
+              <a:gd name="connsiteY22" fmla="*/ 226249 h 8030691"/>
+              <a:gd name="connsiteX23" fmla="*/ 2564208 w 6858001"/>
+              <a:gd name="connsiteY23" fmla="*/ 230955 h 8030691"/>
+              <a:gd name="connsiteX24" fmla="*/ 2694509 w 6858001"/>
+              <a:gd name="connsiteY24" fmla="*/ 236166 h 8030691"/>
+              <a:gd name="connsiteX25" fmla="*/ 2826869 w 6858001"/>
+              <a:gd name="connsiteY25" fmla="*/ 241040 h 8030691"/>
+              <a:gd name="connsiteX26" fmla="*/ 2959914 w 6858001"/>
+              <a:gd name="connsiteY26" fmla="*/ 244234 h 8030691"/>
+              <a:gd name="connsiteX27" fmla="*/ 3095702 w 6858001"/>
+              <a:gd name="connsiteY27" fmla="*/ 247092 h 8030691"/>
+              <a:gd name="connsiteX28" fmla="*/ 3232862 w 6858001"/>
+              <a:gd name="connsiteY28" fmla="*/ 250117 h 8030691"/>
+              <a:gd name="connsiteX29" fmla="*/ 3372766 w 6858001"/>
+              <a:gd name="connsiteY29" fmla="*/ 252134 h 8030691"/>
+              <a:gd name="connsiteX30" fmla="*/ 3514040 w 6858001"/>
+              <a:gd name="connsiteY30" fmla="*/ 252134 h 8030691"/>
+              <a:gd name="connsiteX31" fmla="*/ 3656686 w 6858001"/>
+              <a:gd name="connsiteY31" fmla="*/ 253143 h 8030691"/>
+              <a:gd name="connsiteX32" fmla="*/ 3800705 w 6858001"/>
+              <a:gd name="connsiteY32" fmla="*/ 252134 h 8030691"/>
+              <a:gd name="connsiteX33" fmla="*/ 3946780 w 6858001"/>
+              <a:gd name="connsiteY33" fmla="*/ 250117 h 8030691"/>
+              <a:gd name="connsiteX34" fmla="*/ 4092856 w 6858001"/>
+              <a:gd name="connsiteY34" fmla="*/ 248268 h 8030691"/>
+              <a:gd name="connsiteX35" fmla="*/ 4240988 w 6858001"/>
+              <a:gd name="connsiteY35" fmla="*/ 244234 h 8030691"/>
+              <a:gd name="connsiteX36" fmla="*/ 4390492 w 6858001"/>
+              <a:gd name="connsiteY36" fmla="*/ 240032 h 8030691"/>
+              <a:gd name="connsiteX37" fmla="*/ 4539997 w 6858001"/>
+              <a:gd name="connsiteY37" fmla="*/ 235157 h 8030691"/>
+              <a:gd name="connsiteX38" fmla="*/ 4690873 w 6858001"/>
+              <a:gd name="connsiteY38" fmla="*/ 228266 h 8030691"/>
+              <a:gd name="connsiteX39" fmla="*/ 4843120 w 6858001"/>
+              <a:gd name="connsiteY39" fmla="*/ 220029 h 8030691"/>
+              <a:gd name="connsiteX40" fmla="*/ 4996054 w 6858001"/>
+              <a:gd name="connsiteY40" fmla="*/ 212129 h 8030691"/>
+              <a:gd name="connsiteX41" fmla="*/ 5148987 w 6858001"/>
+              <a:gd name="connsiteY41" fmla="*/ 202044 h 8030691"/>
+              <a:gd name="connsiteX42" fmla="*/ 5303978 w 6858001"/>
+              <a:gd name="connsiteY42" fmla="*/ 189941 h 8030691"/>
+              <a:gd name="connsiteX43" fmla="*/ 5456911 w 6858001"/>
+              <a:gd name="connsiteY43" fmla="*/ 177839 h 8030691"/>
+              <a:gd name="connsiteX44" fmla="*/ 5612588 w 6858001"/>
+              <a:gd name="connsiteY44" fmla="*/ 163887 h 8030691"/>
+              <a:gd name="connsiteX45" fmla="*/ 5768950 w 6858001"/>
+              <a:gd name="connsiteY45" fmla="*/ 148591 h 8030691"/>
+              <a:gd name="connsiteX46" fmla="*/ 5923255 w 6858001"/>
+              <a:gd name="connsiteY46" fmla="*/ 132455 h 8030691"/>
+              <a:gd name="connsiteX47" fmla="*/ 6079618 w 6858001"/>
+              <a:gd name="connsiteY47" fmla="*/ 113629 h 8030691"/>
+              <a:gd name="connsiteX48" fmla="*/ 6235294 w 6858001"/>
+              <a:gd name="connsiteY48" fmla="*/ 93458 h 8030691"/>
+              <a:gd name="connsiteX49" fmla="*/ 6391657 w 6858001"/>
+              <a:gd name="connsiteY49" fmla="*/ 73455 h 8030691"/>
+              <a:gd name="connsiteX50" fmla="*/ 6547333 w 6858001"/>
+              <a:gd name="connsiteY50" fmla="*/ 50091 h 8030691"/>
+              <a:gd name="connsiteX51" fmla="*/ 6702324 w 6858001"/>
+              <a:gd name="connsiteY51" fmla="*/ 26222 h 8030691"/>
+            </a:gdLst>
+            <a:ahLst/>
+            <a:cxnLst>
+              <a:cxn ang="0">
+                <a:pos x="connsiteX0" y="connsiteY0"/>
+              </a:cxn>
+              <a:cxn ang="0">
+                <a:pos x="connsiteX1" y="connsiteY1"/>
+              </a:cxn>
+              <a:cxn ang="0">
+                <a:pos x="connsiteX2" y="connsiteY2"/>
+              </a:cxn>
+              <a:cxn ang="0">
+                <a:pos x="connsiteX3" y="connsiteY3"/>
+              </a:cxn>
+              <a:cxn ang="0">
+                <a:pos x="connsiteX4" y="connsiteY4"/>
+              </a:cxn>
+              <a:cxn ang="0">
+                <a:pos x="connsiteX5" y="connsiteY5"/>
+              </a:cxn>
+              <a:cxn ang="0">
+                <a:pos x="connsiteX6" y="connsiteY6"/>
+              </a:cxn>
+              <a:cxn ang="0">
+                <a:pos x="connsiteX7" y="connsiteY7"/>
+              </a:cxn>
+              <a:cxn ang="0">
+                <a:pos x="connsiteX8" y="connsiteY8"/>
+              </a:cxn>
+              <a:cxn ang="0">
+                <a:pos x="connsiteX9" y="connsiteY9"/>
+              </a:cxn>
+              <a:cxn ang="0">
+                <a:pos x="connsiteX10" y="connsiteY10"/>
+              </a:cxn>
+              <a:cxn ang="0">
+                <a:pos x="connsiteX11" y="connsiteY11"/>
+              </a:cxn>
+              <a:cxn ang="0">
+                <a:pos x="connsiteX12" y="connsiteY12"/>
+              </a:cxn>
+              <a:cxn ang="0">
+                <a:pos x="connsiteX13" y="connsiteY13"/>
+              </a:cxn>
+              <a:cxn ang="0">
+                <a:pos x="connsiteX14" y="connsiteY14"/>
+              </a:cxn>
+              <a:cxn ang="0">
+                <a:pos x="connsiteX15" y="connsiteY15"/>
+              </a:cxn>
+              <a:cxn ang="0">
+                <a:pos x="connsiteX16" y="connsiteY16"/>
+              </a:cxn>
+              <a:cxn ang="0">
+                <a:pos x="connsiteX17" y="connsiteY17"/>
+              </a:cxn>
+              <a:cxn ang="0">
+                <a:pos x="connsiteX18" y="connsiteY18"/>
+              </a:cxn>
+              <a:cxn ang="0">
+                <a:pos x="connsiteX19" y="connsiteY19"/>
+              </a:cxn>
+              <a:cxn ang="0">
+                <a:pos x="connsiteX20" y="connsiteY20"/>
+              </a:cxn>
+              <a:cxn ang="0">
+                <a:pos x="connsiteX21" y="connsiteY21"/>
+              </a:cxn>
+              <a:cxn ang="0">
+                <a:pos x="connsiteX22" y="connsiteY22"/>
+              </a:cxn>
+              <a:cxn ang="0">
+                <a:pos x="connsiteX23" y="connsiteY23"/>
+              </a:cxn>
+              <a:cxn ang="0">
+                <a:pos x="connsiteX24" y="connsiteY24"/>
+              </a:cxn>
+              <a:cxn ang="0">
+                <a:pos x="connsiteX25" y="connsiteY25"/>
+              </a:cxn>
+              <a:cxn ang="0">
+                <a:pos x="connsiteX26" y="connsiteY26"/>
+              </a:cxn>
+              <a:cxn ang="0">
+                <a:pos x="connsiteX27" y="connsiteY27"/>
+              </a:cxn>
+              <a:cxn ang="0">
+                <a:pos x="connsiteX28" y="connsiteY28"/>
+              </a:cxn>
+              <a:cxn ang="0">
+                <a:pos x="connsiteX29" y="connsiteY29"/>
+              </a:cxn>
+              <a:cxn ang="0">
+                <a:pos x="connsiteX30" y="connsiteY30"/>
+              </a:cxn>
+              <a:cxn ang="0">
+                <a:pos x="connsiteX31" y="connsiteY31"/>
+              </a:cxn>
+              <a:cxn ang="0">
+                <a:pos x="connsiteX32" y="connsiteY32"/>
+              </a:cxn>
+              <a:cxn ang="0">
+                <a:pos x="connsiteX33" y="connsiteY33"/>
+              </a:cxn>
+              <a:cxn ang="0">
+                <a:pos x="connsiteX34" y="connsiteY34"/>
+              </a:cxn>
+              <a:cxn ang="0">
+                <a:pos x="connsiteX35" y="connsiteY35"/>
+              </a:cxn>
+              <a:cxn ang="0">
+                <a:pos x="connsiteX36" y="connsiteY36"/>
+              </a:cxn>
+              <a:cxn ang="0">
+                <a:pos x="connsiteX37" y="connsiteY37"/>
+              </a:cxn>
+              <a:cxn ang="0">
+                <a:pos x="connsiteX38" y="connsiteY38"/>
+              </a:cxn>
+              <a:cxn ang="0">
+                <a:pos x="connsiteX39" y="connsiteY39"/>
+              </a:cxn>
+              <a:cxn ang="0">
+                <a:pos x="connsiteX40" y="connsiteY40"/>
+              </a:cxn>
+              <a:cxn ang="0">
+                <a:pos x="connsiteX41" y="connsiteY41"/>
+              </a:cxn>
+              <a:cxn ang="0">
+                <a:pos x="connsiteX42" y="connsiteY42"/>
+              </a:cxn>
+              <a:cxn ang="0">
+                <a:pos x="connsiteX43" y="connsiteY43"/>
+              </a:cxn>
+              <a:cxn ang="0">
+                <a:pos x="connsiteX44" y="connsiteY44"/>
+              </a:cxn>
+              <a:cxn ang="0">
+                <a:pos x="connsiteX45" y="connsiteY45"/>
+              </a:cxn>
+              <a:cxn ang="0">
+                <a:pos x="connsiteX46" y="connsiteY46"/>
+              </a:cxn>
+              <a:cxn ang="0">
+                <a:pos x="connsiteX47" y="connsiteY47"/>
+              </a:cxn>
+              <a:cxn ang="0">
+                <a:pos x="connsiteX48" y="connsiteY48"/>
+              </a:cxn>
+              <a:cxn ang="0">
+                <a:pos x="connsiteX49" y="connsiteY49"/>
+              </a:cxn>
+              <a:cxn ang="0">
+                <a:pos x="connsiteX50" y="connsiteY50"/>
+              </a:cxn>
+              <a:cxn ang="0">
+                <a:pos x="connsiteX51" y="connsiteY51"/>
+              </a:cxn>
+            </a:cxnLst>
+            <a:rect l="l" t="t" r="r" b="b"/>
+            <a:pathLst>
+              <a:path w="6858001" h="8030691">
+                <a:moveTo>
+                  <a:pt x="6858001" y="1177"/>
+                </a:moveTo>
+                <a:lnTo>
+                  <a:pt x="6858001" y="1344715"/>
+                </a:lnTo>
+                <a:lnTo>
+                  <a:pt x="6858000" y="1344715"/>
+                </a:lnTo>
+                <a:lnTo>
+                  <a:pt x="6858000" y="8030691"/>
+                </a:lnTo>
+                <a:lnTo>
+                  <a:pt x="0" y="8030690"/>
+                </a:lnTo>
+                <a:lnTo>
+                  <a:pt x="0" y="477747"/>
+                </a:lnTo>
+                <a:lnTo>
+                  <a:pt x="1" y="477747"/>
+                </a:lnTo>
+                <a:lnTo>
+                  <a:pt x="1" y="0"/>
+                </a:lnTo>
+                <a:lnTo>
+                  <a:pt x="40463" y="5883"/>
+                </a:lnTo>
+                <a:lnTo>
+                  <a:pt x="159107" y="23196"/>
+                </a:lnTo>
+                <a:lnTo>
+                  <a:pt x="245518" y="35299"/>
+                </a:lnTo>
+                <a:lnTo>
+                  <a:pt x="348388" y="48074"/>
+                </a:lnTo>
+                <a:lnTo>
+                  <a:pt x="470460" y="63370"/>
+                </a:lnTo>
+                <a:lnTo>
+                  <a:pt x="605563" y="79507"/>
+                </a:lnTo>
+                <a:lnTo>
+                  <a:pt x="757810" y="96484"/>
+                </a:lnTo>
+                <a:lnTo>
+                  <a:pt x="923774" y="114469"/>
+                </a:lnTo>
+                <a:lnTo>
+                  <a:pt x="1104139" y="132455"/>
+                </a:lnTo>
+                <a:lnTo>
+                  <a:pt x="1296163" y="150776"/>
+                </a:lnTo>
+                <a:lnTo>
+                  <a:pt x="1503275" y="167753"/>
+                </a:lnTo>
+                <a:lnTo>
+                  <a:pt x="1719988" y="184058"/>
+                </a:lnTo>
+                <a:lnTo>
+                  <a:pt x="1949045" y="198850"/>
+                </a:lnTo>
+                <a:lnTo>
+                  <a:pt x="2187703" y="212969"/>
+                </a:lnTo>
+                <a:lnTo>
+                  <a:pt x="2436649" y="226249"/>
+                </a:lnTo>
+                <a:lnTo>
+                  <a:pt x="2564208" y="230955"/>
+                </a:lnTo>
+                <a:lnTo>
+                  <a:pt x="2694509" y="236166"/>
+                </a:lnTo>
+                <a:lnTo>
+                  <a:pt x="2826869" y="241040"/>
+                </a:lnTo>
+                <a:lnTo>
+                  <a:pt x="2959914" y="244234"/>
+                </a:lnTo>
+                <a:lnTo>
+                  <a:pt x="3095702" y="247092"/>
+                </a:lnTo>
+                <a:lnTo>
+                  <a:pt x="3232862" y="250117"/>
+                </a:lnTo>
+                <a:lnTo>
+                  <a:pt x="3372766" y="252134"/>
+                </a:lnTo>
+                <a:lnTo>
+                  <a:pt x="3514040" y="252134"/>
+                </a:lnTo>
+                <a:lnTo>
+                  <a:pt x="3656686" y="253143"/>
+                </a:lnTo>
+                <a:lnTo>
+                  <a:pt x="3800705" y="252134"/>
+                </a:lnTo>
+                <a:lnTo>
+                  <a:pt x="3946780" y="250117"/>
+                </a:lnTo>
+                <a:lnTo>
+                  <a:pt x="4092856" y="248268"/>
+                </a:lnTo>
+                <a:lnTo>
+                  <a:pt x="4240988" y="244234"/>
+                </a:lnTo>
+                <a:lnTo>
+                  <a:pt x="4390492" y="240032"/>
+                </a:lnTo>
+                <a:lnTo>
+                  <a:pt x="4539997" y="235157"/>
+                </a:lnTo>
+                <a:lnTo>
+                  <a:pt x="4690873" y="228266"/>
+                </a:lnTo>
+                <a:lnTo>
+                  <a:pt x="4843120" y="220029"/>
+                </a:lnTo>
+                <a:lnTo>
+                  <a:pt x="4996054" y="212129"/>
+                </a:lnTo>
+                <a:lnTo>
+                  <a:pt x="5148987" y="202044"/>
+                </a:lnTo>
+                <a:lnTo>
+                  <a:pt x="5303978" y="189941"/>
+                </a:lnTo>
+                <a:lnTo>
+                  <a:pt x="5456911" y="177839"/>
+                </a:lnTo>
+                <a:lnTo>
+                  <a:pt x="5612588" y="163887"/>
+                </a:lnTo>
+                <a:lnTo>
+                  <a:pt x="5768950" y="148591"/>
+                </a:lnTo>
+                <a:lnTo>
+                  <a:pt x="5923255" y="132455"/>
+                </a:lnTo>
+                <a:lnTo>
+                  <a:pt x="6079618" y="113629"/>
+                </a:lnTo>
+                <a:lnTo>
+                  <a:pt x="6235294" y="93458"/>
+                </a:lnTo>
+                <a:lnTo>
+                  <a:pt x="6391657" y="73455"/>
+                </a:lnTo>
+                <a:lnTo>
+                  <a:pt x="6547333" y="50091"/>
+                </a:lnTo>
+                <a:lnTo>
+                  <a:pt x="6702324" y="26222"/>
+                </a:lnTo>
+                <a:close/>
+              </a:path>
+            </a:pathLst>
+          </a:custGeom>
+          <a:solidFill>
+            <a:srgbClr val="FFFFFF"/>
+          </a:solidFill>
+          <a:ln>
+            <a:noFill/>
+          </a:ln>
+        </p:spPr>
+      </p:sp>
+      <p:sp>
+        <p:nvSpPr>
+          <p:cNvPr id="42" name="Freeform 23">
+            <a:extLst>
+              <a:ext uri="{FF2B5EF4-FFF2-40B4-BE49-F238E27FC236}">
+                <a16:creationId xmlns:a16="http://schemas.microsoft.com/office/drawing/2014/main" id="{86AD7ABD-24C8-4B21-A948-ABC2F8C70B69}"/>
+              </a:ext>
+              <a:ext uri="{C183D7F6-B498-43B3-948B-1728B52AA6E4}">
+                <adec:decorative xmlns:adec="http://schemas.microsoft.com/office/drawing/2017/decorative" val="1"/>
+              </a:ext>
+            </a:extLst>
+          </p:cNvPr>
+          <p:cNvSpPr>
+            <a:spLocks noGrp="1" noRot="1" noChangeAspect="1" noMove="1" noResize="1" noEditPoints="1" noAdjustHandles="1" noChangeArrowheads="1" noChangeShapeType="1" noTextEdit="1"/>
+          </p:cNvSpPr>
+          <p:nvPr>
+            <p:extLst>
+              <p:ext uri="{386F3935-93C4-4BCD-93E2-E3B085C9AB24}">
+                <p16:designElem xmlns:p16="http://schemas.microsoft.com/office/powerpoint/2015/main" val="1"/>
+              </p:ext>
+            </p:extLst>
+          </p:nvPr>
+        </p:nvSpPr>
+        <p:spPr>
+          <a:xfrm>
+            <a:off x="3948110" y="-1"/>
+            <a:ext cx="559472" cy="3709642"/>
+          </a:xfrm>
+          <a:custGeom>
+            <a:avLst/>
+            <a:gdLst>
+              <a:gd name="connsiteX0" fmla="*/ 0 w 559472"/>
+              <a:gd name="connsiteY0" fmla="*/ 0 h 3709642"/>
+              <a:gd name="connsiteX1" fmla="*/ 473952 w 559472"/>
+              <a:gd name="connsiteY1" fmla="*/ 0 h 3709642"/>
+              <a:gd name="connsiteX2" fmla="*/ 485840 w 559472"/>
+              <a:gd name="connsiteY2" fmla="*/ 161194 h 3709642"/>
+              <a:gd name="connsiteX3" fmla="*/ 523949 w 559472"/>
+              <a:gd name="connsiteY3" fmla="*/ 3672197 h 3709642"/>
+              <a:gd name="connsiteX4" fmla="*/ 454748 w 559472"/>
+              <a:gd name="connsiteY4" fmla="*/ 3709642 h 3709642"/>
+              <a:gd name="connsiteX5" fmla="*/ 448224 w 559472"/>
+              <a:gd name="connsiteY5" fmla="*/ 3510471 h 3709642"/>
+              <a:gd name="connsiteX6" fmla="*/ 443564 w 559472"/>
+              <a:gd name="connsiteY6" fmla="*/ 3408563 h 3709642"/>
+              <a:gd name="connsiteX7" fmla="*/ 438902 w 559472"/>
+              <a:gd name="connsiteY7" fmla="*/ 3304407 h 3709642"/>
+              <a:gd name="connsiteX8" fmla="*/ 433941 w 559472"/>
+              <a:gd name="connsiteY8" fmla="*/ 3198777 h 3709642"/>
+              <a:gd name="connsiteX9" fmla="*/ 427584 w 559472"/>
+              <a:gd name="connsiteY9" fmla="*/ 3092510 h 3709642"/>
+              <a:gd name="connsiteX10" fmla="*/ 420988 w 559472"/>
+              <a:gd name="connsiteY10" fmla="*/ 2984390 h 3709642"/>
+              <a:gd name="connsiteX11" fmla="*/ 414330 w 559472"/>
+              <a:gd name="connsiteY11" fmla="*/ 2874401 h 3709642"/>
+              <a:gd name="connsiteX12" fmla="*/ 406840 w 559472"/>
+              <a:gd name="connsiteY12" fmla="*/ 2762980 h 3709642"/>
+              <a:gd name="connsiteX13" fmla="*/ 397745 w 559472"/>
+              <a:gd name="connsiteY13" fmla="*/ 2650566 h 3709642"/>
+              <a:gd name="connsiteX14" fmla="*/ 389154 w 559472"/>
+              <a:gd name="connsiteY14" fmla="*/ 2536612 h 3709642"/>
+              <a:gd name="connsiteX15" fmla="*/ 379225 w 559472"/>
+              <a:gd name="connsiteY15" fmla="*/ 2421642 h 3709642"/>
+              <a:gd name="connsiteX16" fmla="*/ 368316 w 559472"/>
+              <a:gd name="connsiteY16" fmla="*/ 2305627 h 3709642"/>
+              <a:gd name="connsiteX17" fmla="*/ 357466 w 559472"/>
+              <a:gd name="connsiteY17" fmla="*/ 2189233 h 3709642"/>
+              <a:gd name="connsiteX18" fmla="*/ 344982 w 559472"/>
+              <a:gd name="connsiteY18" fmla="*/ 2071473 h 3709642"/>
+              <a:gd name="connsiteX19" fmla="*/ 332466 w 559472"/>
+              <a:gd name="connsiteY19" fmla="*/ 1952216 h 3709642"/>
+              <a:gd name="connsiteX20" fmla="*/ 319121 w 559472"/>
+              <a:gd name="connsiteY20" fmla="*/ 1833776 h 3709642"/>
+              <a:gd name="connsiteX21" fmla="*/ 304408 w 559472"/>
+              <a:gd name="connsiteY21" fmla="*/ 1713948 h 3709642"/>
+              <a:gd name="connsiteX22" fmla="*/ 288685 w 559472"/>
+              <a:gd name="connsiteY22" fmla="*/ 1592703 h 3709642"/>
+              <a:gd name="connsiteX23" fmla="*/ 273050 w 559472"/>
+              <a:gd name="connsiteY23" fmla="*/ 1471451 h 3709642"/>
+              <a:gd name="connsiteX24" fmla="*/ 255813 w 559472"/>
+              <a:gd name="connsiteY24" fmla="*/ 1350328 h 3709642"/>
+              <a:gd name="connsiteX25" fmla="*/ 237060 w 559472"/>
+              <a:gd name="connsiteY25" fmla="*/ 1227080 h 3709642"/>
+              <a:gd name="connsiteX26" fmla="*/ 218488 w 559472"/>
+              <a:gd name="connsiteY26" fmla="*/ 1106065 h 3709642"/>
+              <a:gd name="connsiteX27" fmla="*/ 198221 w 559472"/>
+              <a:gd name="connsiteY27" fmla="*/ 982940 h 3709642"/>
+              <a:gd name="connsiteX28" fmla="*/ 177152 w 559472"/>
+              <a:gd name="connsiteY28" fmla="*/ 858755 h 3709642"/>
+              <a:gd name="connsiteX29" fmla="*/ 155551 w 559472"/>
+              <a:gd name="connsiteY29" fmla="*/ 736861 h 3709642"/>
+              <a:gd name="connsiteX30" fmla="*/ 131782 w 559472"/>
+              <a:gd name="connsiteY30" fmla="*/ 613645 h 3709642"/>
+              <a:gd name="connsiteX31" fmla="*/ 107123 w 559472"/>
+              <a:gd name="connsiteY31" fmla="*/ 490500 h 3709642"/>
+              <a:gd name="connsiteX32" fmla="*/ 82552 w 559472"/>
+              <a:gd name="connsiteY32" fmla="*/ 367348 h 3709642"/>
+              <a:gd name="connsiteX33" fmla="*/ 55608 w 559472"/>
+              <a:gd name="connsiteY33" fmla="*/ 244762 h 3709642"/>
+              <a:gd name="connsiteX34" fmla="*/ 28130 w 559472"/>
+              <a:gd name="connsiteY34" fmla="*/ 122220 h 3709642"/>
+              <a:gd name="connsiteX35" fmla="*/ 0 w 559472"/>
+              <a:gd name="connsiteY35" fmla="*/ 0 h 3709642"/>
+            </a:gdLst>
+            <a:ahLst/>
+            <a:cxnLst>
+              <a:cxn ang="0">
+                <a:pos x="connsiteX0" y="connsiteY0"/>
+              </a:cxn>
+              <a:cxn ang="0">
+                <a:pos x="connsiteX1" y="connsiteY1"/>
+              </a:cxn>
+              <a:cxn ang="0">
+                <a:pos x="connsiteX2" y="connsiteY2"/>
+              </a:cxn>
+              <a:cxn ang="0">
+                <a:pos x="connsiteX3" y="connsiteY3"/>
+              </a:cxn>
+              <a:cxn ang="0">
+                <a:pos x="connsiteX4" y="connsiteY4"/>
+              </a:cxn>
+              <a:cxn ang="0">
+                <a:pos x="connsiteX5" y="connsiteY5"/>
+              </a:cxn>
+              <a:cxn ang="0">
+                <a:pos x="connsiteX6" y="connsiteY6"/>
+              </a:cxn>
+              <a:cxn ang="0">
+                <a:pos x="connsiteX7" y="connsiteY7"/>
+              </a:cxn>
+              <a:cxn ang="0">
+                <a:pos x="connsiteX8" y="connsiteY8"/>
+              </a:cxn>
+              <a:cxn ang="0">
+                <a:pos x="connsiteX9" y="connsiteY9"/>
+              </a:cxn>
+              <a:cxn ang="0">
+                <a:pos x="connsiteX10" y="connsiteY10"/>
+              </a:cxn>
+              <a:cxn ang="0">
+                <a:pos x="connsiteX11" y="connsiteY11"/>
+              </a:cxn>
+              <a:cxn ang="0">
+                <a:pos x="connsiteX12" y="connsiteY12"/>
+              </a:cxn>
+              <a:cxn ang="0">
+                <a:pos x="connsiteX13" y="connsiteY13"/>
+              </a:cxn>
+              <a:cxn ang="0">
+                <a:pos x="connsiteX14" y="connsiteY14"/>
+              </a:cxn>
+              <a:cxn ang="0">
+                <a:pos x="connsiteX15" y="connsiteY15"/>
+              </a:cxn>
+              <a:cxn ang="0">
+                <a:pos x="connsiteX16" y="connsiteY16"/>
+              </a:cxn>
+              <a:cxn ang="0">
+                <a:pos x="connsiteX17" y="connsiteY17"/>
+              </a:cxn>
+              <a:cxn ang="0">
+                <a:pos x="connsiteX18" y="connsiteY18"/>
+              </a:cxn>
+              <a:cxn ang="0">
+                <a:pos x="connsiteX19" y="connsiteY19"/>
+              </a:cxn>
+              <a:cxn ang="0">
+                <a:pos x="connsiteX20" y="connsiteY20"/>
+              </a:cxn>
+              <a:cxn ang="0">
+                <a:pos x="connsiteX21" y="connsiteY21"/>
+              </a:cxn>
+              <a:cxn ang="0">
+                <a:pos x="connsiteX22" y="connsiteY22"/>
+              </a:cxn>
+              <a:cxn ang="0">
+                <a:pos x="connsiteX23" y="connsiteY23"/>
+              </a:cxn>
+              <a:cxn ang="0">
+                <a:pos x="connsiteX24" y="connsiteY24"/>
+              </a:cxn>
+              <a:cxn ang="0">
+                <a:pos x="connsiteX25" y="connsiteY25"/>
+              </a:cxn>
+              <a:cxn ang="0">
+                <a:pos x="connsiteX26" y="connsiteY26"/>
+              </a:cxn>
+              <a:cxn ang="0">
+                <a:pos x="connsiteX27" y="connsiteY27"/>
+              </a:cxn>
+              <a:cxn ang="0">
+                <a:pos x="connsiteX28" y="connsiteY28"/>
+              </a:cxn>
+              <a:cxn ang="0">
+                <a:pos x="connsiteX29" y="connsiteY29"/>
+              </a:cxn>
+              <a:cxn ang="0">
+                <a:pos x="connsiteX30" y="connsiteY30"/>
+              </a:cxn>
+              <a:cxn ang="0">
+                <a:pos x="connsiteX31" y="connsiteY31"/>
+              </a:cxn>
+              <a:cxn ang="0">
+                <a:pos x="connsiteX32" y="connsiteY32"/>
+              </a:cxn>
+              <a:cxn ang="0">
+                <a:pos x="connsiteX33" y="connsiteY33"/>
+              </a:cxn>
+              <a:cxn ang="0">
+                <a:pos x="connsiteX34" y="connsiteY34"/>
+              </a:cxn>
+              <a:cxn ang="0">
+                <a:pos x="connsiteX35" y="connsiteY35"/>
+              </a:cxn>
+            </a:cxnLst>
+            <a:rect l="l" t="t" r="r" b="b"/>
+            <a:pathLst>
+              <a:path w="559472" h="3709642">
+                <a:moveTo>
+                  <a:pt x="0" y="0"/>
+                </a:moveTo>
+                <a:lnTo>
+                  <a:pt x="473952" y="0"/>
+                </a:lnTo>
+                <a:lnTo>
+                  <a:pt x="485840" y="161194"/>
+                </a:lnTo>
+                <a:cubicBezTo>
+                  <a:pt x="552063" y="1147770"/>
+                  <a:pt x="592441" y="3086737"/>
+                  <a:pt x="523949" y="3672197"/>
+                </a:cubicBezTo>
+                <a:cubicBezTo>
+                  <a:pt x="500842" y="3684557"/>
+                  <a:pt x="477855" y="3697282"/>
+                  <a:pt x="454748" y="3709642"/>
+                </a:cubicBezTo>
+                <a:lnTo>
+                  <a:pt x="448224" y="3510471"/>
+                </a:lnTo>
+                <a:lnTo>
+                  <a:pt x="443564" y="3408563"/>
+                </a:lnTo>
+                <a:lnTo>
+                  <a:pt x="438902" y="3304407"/>
+                </a:lnTo>
+                <a:lnTo>
+                  <a:pt x="433941" y="3198777"/>
+                </a:lnTo>
+                <a:lnTo>
+                  <a:pt x="427584" y="3092510"/>
+                </a:lnTo>
+                <a:lnTo>
+                  <a:pt x="420988" y="2984390"/>
+                </a:lnTo>
+                <a:lnTo>
+                  <a:pt x="414330" y="2874401"/>
+                </a:lnTo>
+                <a:lnTo>
+                  <a:pt x="406840" y="2762980"/>
+                </a:lnTo>
+                <a:lnTo>
+                  <a:pt x="397745" y="2650566"/>
+                </a:lnTo>
+                <a:lnTo>
+                  <a:pt x="389154" y="2536612"/>
+                </a:lnTo>
+                <a:lnTo>
+                  <a:pt x="379225" y="2421642"/>
+                </a:lnTo>
+                <a:lnTo>
+                  <a:pt x="368316" y="2305627"/>
+                </a:lnTo>
+                <a:lnTo>
+                  <a:pt x="357466" y="2189233"/>
+                </a:lnTo>
+                <a:lnTo>
+                  <a:pt x="344982" y="2071473"/>
+                </a:lnTo>
+                <a:lnTo>
+                  <a:pt x="332466" y="1952216"/>
+                </a:lnTo>
+                <a:lnTo>
+                  <a:pt x="319121" y="1833776"/>
+                </a:lnTo>
+                <a:lnTo>
+                  <a:pt x="304408" y="1713948"/>
+                </a:lnTo>
+                <a:lnTo>
+                  <a:pt x="288685" y="1592703"/>
+                </a:lnTo>
+                <a:lnTo>
+                  <a:pt x="273050" y="1471451"/>
+                </a:lnTo>
+                <a:lnTo>
+                  <a:pt x="255813" y="1350328"/>
+                </a:lnTo>
+                <a:lnTo>
+                  <a:pt x="237060" y="1227080"/>
+                </a:lnTo>
+                <a:lnTo>
+                  <a:pt x="218488" y="1106065"/>
+                </a:lnTo>
+                <a:lnTo>
+                  <a:pt x="198221" y="982940"/>
+                </a:lnTo>
+                <a:lnTo>
+                  <a:pt x="177152" y="858755"/>
+                </a:lnTo>
+                <a:lnTo>
+                  <a:pt x="155551" y="736861"/>
+                </a:lnTo>
+                <a:lnTo>
+                  <a:pt x="131782" y="613645"/>
+                </a:lnTo>
+                <a:lnTo>
+                  <a:pt x="107123" y="490500"/>
+                </a:lnTo>
+                <a:lnTo>
+                  <a:pt x="82552" y="367348"/>
+                </a:lnTo>
+                <a:lnTo>
+                  <a:pt x="55608" y="244762"/>
+                </a:lnTo>
+                <a:lnTo>
+                  <a:pt x="28130" y="122220"/>
+                </a:lnTo>
+                <a:lnTo>
+                  <a:pt x="0" y="0"/>
+                </a:lnTo>
+                <a:close/>
+              </a:path>
+            </a:pathLst>
+          </a:custGeom>
+          <a:solidFill>
+            <a:schemeClr val="tx1">
+              <a:alpha val="20000"/>
+            </a:schemeClr>
+          </a:solidFill>
+          <a:ln>
+            <a:noFill/>
+          </a:ln>
+        </p:spPr>
+        <p:txBody>
+          <a:bodyPr rtlCol="0" anchor="ctr"/>
+          <a:lstStyle/>
+          <a:p>
+            <a:pPr algn="ctr"/>
+            <a:endParaRPr lang="en-US"/>
+          </a:p>
+        </p:txBody>
+      </p:sp>
+      <p:sp>
+        <p:nvSpPr>
+          <p:cNvPr id="44" name="Rectangle 43">
+            <a:extLst>
+              <a:ext uri="{FF2B5EF4-FFF2-40B4-BE49-F238E27FC236}">
+                <a16:creationId xmlns:a16="http://schemas.microsoft.com/office/drawing/2014/main" id="{B63082B3-0202-4A7D-A42B-721E4CE9E2D4}"/>
+              </a:ext>
+              <a:ext uri="{C183D7F6-B498-43B3-948B-1728B52AA6E4}">
+                <adec:decorative xmlns:adec="http://schemas.microsoft.com/office/drawing/2017/decorative" val="1"/>
+              </a:ext>
+            </a:extLst>
+          </p:cNvPr>
+          <p:cNvSpPr>
+            <a:spLocks noGrp="1" noRot="1" noChangeAspect="1" noMove="1" noResize="1" noEditPoints="1" noAdjustHandles="1" noChangeArrowheads="1" noChangeShapeType="1" noTextEdit="1"/>
+          </p:cNvSpPr>
+          <p:nvPr>
+            <p:extLst>
+              <p:ext uri="{386F3935-93C4-4BCD-93E2-E3B085C9AB24}">
+                <p16:designElem xmlns:p16="http://schemas.microsoft.com/office/powerpoint/2015/main" val="1"/>
+              </p:ext>
+            </p:extLst>
+          </p:nvPr>
+        </p:nvSpPr>
+        <p:spPr>
+          <a:xfrm>
+            <a:off x="10437812" y="0"/>
+            <a:ext cx="685800" cy="1143000"/>
+          </a:xfrm>
+          <a:prstGeom prst="rect">
+            <a:avLst/>
+          </a:prstGeom>
+          <a:solidFill>
+            <a:schemeClr val="accent1"/>
+          </a:solidFill>
+          <a:ln>
+            <a:noFill/>
+          </a:ln>
+        </p:spPr>
+        <p:style>
+          <a:lnRef idx="1">
+            <a:schemeClr val="accent1"/>
+          </a:lnRef>
+          <a:fillRef idx="3">
+            <a:schemeClr val="accent1"/>
+          </a:fillRef>
+          <a:effectRef idx="2">
+            <a:schemeClr val="accent1"/>
+          </a:effectRef>
+          <a:fontRef idx="minor">
+            <a:schemeClr val="lt1"/>
+          </a:fontRef>
+        </p:style>
+      </p:sp>
+      <p:sp>
+        <p:nvSpPr>
+          <p:cNvPr id="6" name="Content Placeholder 5">
+            <a:extLst>
+              <a:ext uri="{FF2B5EF4-FFF2-40B4-BE49-F238E27FC236}">
+                <a16:creationId xmlns:a16="http://schemas.microsoft.com/office/drawing/2014/main" id="{7FBF04AF-4C0F-B845-9C04-ACDBB007F95C}"/>
+              </a:ext>
+            </a:extLst>
+          </p:cNvPr>
+          <p:cNvSpPr>
+            <a:spLocks noGrp="1"/>
+          </p:cNvSpPr>
+          <p:nvPr>
+            <p:ph idx="1"/>
+          </p:nvPr>
+        </p:nvSpPr>
+        <p:spPr>
+          <a:xfrm>
+            <a:off x="646111" y="3088493"/>
+            <a:ext cx="3104751" cy="2931307"/>
+          </a:xfrm>
+        </p:spPr>
+        <p:txBody>
+          <a:bodyPr>
+            <a:normAutofit/>
+          </a:bodyPr>
+          <a:lstStyle/>
+          <a:p>
+            <a:endParaRPr lang="en-US" sz="1600"/>
+          </a:p>
+        </p:txBody>
+      </p:sp>
+      <p:pic>
+        <p:nvPicPr>
+          <p:cNvPr id="16" name="Picture 15">
+            <a:extLst>
+              <a:ext uri="{FF2B5EF4-FFF2-40B4-BE49-F238E27FC236}">
+                <a16:creationId xmlns:a16="http://schemas.microsoft.com/office/drawing/2014/main" id="{CAD221C6-DD54-A34F-97DB-118D9B505817}"/>
+              </a:ext>
+            </a:extLst>
+          </p:cNvPr>
+          <p:cNvPicPr>
+            <a:picLocks noChangeAspect="1"/>
+          </p:cNvPicPr>
+          <p:nvPr/>
+        </p:nvPicPr>
+        <p:blipFill>
+          <a:blip r:embed="rId3"/>
+          <a:stretch>
+            <a:fillRect/>
+          </a:stretch>
+        </p:blipFill>
+        <p:spPr>
+          <a:xfrm>
+            <a:off x="279768" y="3173133"/>
+            <a:ext cx="4803524" cy="2762025"/>
+          </a:xfrm>
+          <a:prstGeom prst="rect">
+            <a:avLst/>
+          </a:prstGeom>
+          <a:effectLst/>
+        </p:spPr>
+      </p:pic>
+      <p:pic>
+        <p:nvPicPr>
+          <p:cNvPr id="10" name="Picture 9">
+            <a:extLst>
+              <a:ext uri="{FF2B5EF4-FFF2-40B4-BE49-F238E27FC236}">
+                <a16:creationId xmlns:a16="http://schemas.microsoft.com/office/drawing/2014/main" id="{7A897230-A43E-6C4E-9EC6-3DB418F3D41F}"/>
+              </a:ext>
+            </a:extLst>
+          </p:cNvPr>
+          <p:cNvPicPr>
+            <a:picLocks noChangeAspect="1"/>
+          </p:cNvPicPr>
+          <p:nvPr/>
+        </p:nvPicPr>
+        <p:blipFill>
+          <a:blip r:embed="rId4"/>
+          <a:stretch>
+            <a:fillRect/>
+          </a:stretch>
+        </p:blipFill>
+        <p:spPr>
+          <a:xfrm>
+            <a:off x="5544881" y="1447799"/>
+            <a:ext cx="5609820" cy="2286000"/>
+          </a:xfrm>
+          <a:prstGeom prst="rect">
+            <a:avLst/>
+          </a:prstGeom>
+          <a:effectLst/>
+        </p:spPr>
+      </p:pic>
+      <p:pic>
+        <p:nvPicPr>
+          <p:cNvPr id="14" name="Picture 13">
+            <a:extLst>
+              <a:ext uri="{FF2B5EF4-FFF2-40B4-BE49-F238E27FC236}">
+                <a16:creationId xmlns:a16="http://schemas.microsoft.com/office/drawing/2014/main" id="{AAE5BB74-6C5E-6A45-8B4E-C91E4C1A182C}"/>
+              </a:ext>
+            </a:extLst>
+          </p:cNvPr>
+          <p:cNvPicPr>
+            <a:picLocks noChangeAspect="1"/>
+          </p:cNvPicPr>
+          <p:nvPr/>
+        </p:nvPicPr>
+        <p:blipFill>
+          <a:blip r:embed="rId5"/>
+          <a:stretch>
+            <a:fillRect/>
+          </a:stretch>
+        </p:blipFill>
+        <p:spPr>
+          <a:xfrm>
+            <a:off x="6362448" y="3940852"/>
+            <a:ext cx="3148022" cy="2289470"/>
+          </a:xfrm>
+          <a:prstGeom prst="rect">
+            <a:avLst/>
+          </a:prstGeom>
+          <a:effectLst/>
+        </p:spPr>
+      </p:pic>
+    </p:spTree>
+    <p:extLst>
+      <p:ext uri="{BB962C8B-B14F-4D97-AF65-F5344CB8AC3E}">
+        <p14:creationId xmlns:p14="http://schemas.microsoft.com/office/powerpoint/2010/main" val="3758492839"/>
       </p:ext>
     </p:extLst>
   </p:cSld>
@@ -10099,6 +11267,1694 @@
     <p:extLst>
       <p:ext uri="{BB962C8B-B14F-4D97-AF65-F5344CB8AC3E}">
         <p14:creationId xmlns:p14="http://schemas.microsoft.com/office/powerpoint/2010/main" val="1643266917"/>
+      </p:ext>
+    </p:extLst>
+  </p:cSld>
+  <p:clrMapOvr>
+    <a:masterClrMapping/>
+  </p:clrMapOvr>
+</p:sld>
+</file>
+
+<file path=ppt/slides/slide20.xml><?xml version="1.0" encoding="utf-8"?>
+<p:sld xmlns:a="http://schemas.openxmlformats.org/drawingml/2006/main" xmlns:r="http://schemas.openxmlformats.org/officeDocument/2006/relationships" xmlns:p="http://schemas.openxmlformats.org/presentationml/2006/main">
+  <p:cSld>
+    <p:spTree>
+      <p:nvGrpSpPr>
+        <p:cNvPr id="1" name=""/>
+        <p:cNvGrpSpPr/>
+        <p:nvPr/>
+      </p:nvGrpSpPr>
+      <p:grpSpPr>
+        <a:xfrm>
+          <a:off x="0" y="0"/>
+          <a:ext cx="0" cy="0"/>
+          <a:chOff x="0" y="0"/>
+          <a:chExt cx="0" cy="0"/>
+        </a:xfrm>
+      </p:grpSpPr>
+      <p:sp>
+        <p:nvSpPr>
+          <p:cNvPr id="2" name="Title 1">
+            <a:extLst>
+              <a:ext uri="{FF2B5EF4-FFF2-40B4-BE49-F238E27FC236}">
+                <a16:creationId xmlns:a16="http://schemas.microsoft.com/office/drawing/2014/main" id="{9D46FBDA-FACE-644B-8619-40038329EA60}"/>
+              </a:ext>
+            </a:extLst>
+          </p:cNvPr>
+          <p:cNvSpPr>
+            <a:spLocks noGrp="1"/>
+          </p:cNvSpPr>
+          <p:nvPr>
+            <p:ph type="title"/>
+          </p:nvPr>
+        </p:nvSpPr>
+        <p:spPr/>
+        <p:txBody>
+          <a:bodyPr/>
+          <a:lstStyle/>
+          <a:p>
+            <a:r>
+              <a:rPr lang="en-US" dirty="0"/>
+              <a:t>Volumes</a:t>
+            </a:r>
+          </a:p>
+        </p:txBody>
+      </p:sp>
+      <p:sp>
+        <p:nvSpPr>
+          <p:cNvPr id="3" name="Content Placeholder 2">
+            <a:extLst>
+              <a:ext uri="{FF2B5EF4-FFF2-40B4-BE49-F238E27FC236}">
+                <a16:creationId xmlns:a16="http://schemas.microsoft.com/office/drawing/2014/main" id="{171DD81E-7A82-D746-9044-4D009D280F51}"/>
+              </a:ext>
+            </a:extLst>
+          </p:cNvPr>
+          <p:cNvSpPr>
+            <a:spLocks noGrp="1"/>
+          </p:cNvSpPr>
+          <p:nvPr>
+            <p:ph idx="1"/>
+          </p:nvPr>
+        </p:nvSpPr>
+        <p:spPr/>
+        <p:txBody>
+          <a:bodyPr/>
+          <a:lstStyle/>
+          <a:p>
+            <a:endParaRPr lang="en-US"/>
+          </a:p>
+        </p:txBody>
+      </p:sp>
+      <p:pic>
+        <p:nvPicPr>
+          <p:cNvPr id="4" name="Picture 3">
+            <a:extLst>
+              <a:ext uri="{FF2B5EF4-FFF2-40B4-BE49-F238E27FC236}">
+                <a16:creationId xmlns:a16="http://schemas.microsoft.com/office/drawing/2014/main" id="{DB37F2D7-D5BC-7943-B4BE-D1FBB2010F8D}"/>
+              </a:ext>
+            </a:extLst>
+          </p:cNvPr>
+          <p:cNvPicPr>
+            <a:picLocks noChangeAspect="1"/>
+          </p:cNvPicPr>
+          <p:nvPr/>
+        </p:nvPicPr>
+        <p:blipFill>
+          <a:blip r:embed="rId2"/>
+          <a:stretch>
+            <a:fillRect/>
+          </a:stretch>
+        </p:blipFill>
+        <p:spPr>
+          <a:xfrm>
+            <a:off x="1187778" y="2052918"/>
+            <a:ext cx="8446957" cy="4352364"/>
+          </a:xfrm>
+          <a:prstGeom prst="rect">
+            <a:avLst/>
+          </a:prstGeom>
+        </p:spPr>
+      </p:pic>
+    </p:spTree>
+    <p:extLst>
+      <p:ext uri="{BB962C8B-B14F-4D97-AF65-F5344CB8AC3E}">
+        <p14:creationId xmlns:p14="http://schemas.microsoft.com/office/powerpoint/2010/main" val="1959509928"/>
+      </p:ext>
+    </p:extLst>
+  </p:cSld>
+  <p:clrMapOvr>
+    <a:masterClrMapping/>
+  </p:clrMapOvr>
+</p:sld>
+</file>
+
+<file path=ppt/slides/slide21.xml><?xml version="1.0" encoding="utf-8"?>
+<p:sld xmlns:a="http://schemas.openxmlformats.org/drawingml/2006/main" xmlns:r="http://schemas.openxmlformats.org/officeDocument/2006/relationships" xmlns:p="http://schemas.openxmlformats.org/presentationml/2006/main">
+  <p:cSld>
+    <p:bg>
+      <p:bgPr>
+        <a:blipFill rotWithShape="1">
+          <a:blip r:embed="rId2">
+            <a:duotone>
+              <a:schemeClr val="bg2">
+                <a:shade val="69000"/>
+                <a:hueMod val="108000"/>
+                <a:satMod val="164000"/>
+                <a:lumMod val="74000"/>
+              </a:schemeClr>
+              <a:schemeClr val="bg2">
+                <a:tint val="96000"/>
+                <a:hueMod val="88000"/>
+                <a:satMod val="140000"/>
+                <a:lumMod val="132000"/>
+              </a:schemeClr>
+            </a:duotone>
+            <a:extLst/>
+          </a:blip>
+          <a:stretch/>
+        </a:blipFill>
+        <a:effectLst/>
+      </p:bgPr>
+    </p:bg>
+    <p:spTree>
+      <p:nvGrpSpPr>
+        <p:cNvPr id="1" name=""/>
+        <p:cNvGrpSpPr/>
+        <p:nvPr/>
+      </p:nvGrpSpPr>
+      <p:grpSpPr>
+        <a:xfrm>
+          <a:off x="0" y="0"/>
+          <a:ext cx="0" cy="0"/>
+          <a:chOff x="0" y="0"/>
+          <a:chExt cx="0" cy="0"/>
+        </a:xfrm>
+      </p:grpSpPr>
+      <p:sp>
+        <p:nvSpPr>
+          <p:cNvPr id="2" name="Title 1">
+            <a:extLst>
+              <a:ext uri="{FF2B5EF4-FFF2-40B4-BE49-F238E27FC236}">
+                <a16:creationId xmlns:a16="http://schemas.microsoft.com/office/drawing/2014/main" id="{151E4F8A-4EC8-3E48-BFF6-AE8D3A94B9D6}"/>
+              </a:ext>
+            </a:extLst>
+          </p:cNvPr>
+          <p:cNvSpPr>
+            <a:spLocks noGrp="1"/>
+          </p:cNvSpPr>
+          <p:nvPr>
+            <p:ph type="title"/>
+          </p:nvPr>
+        </p:nvSpPr>
+        <p:spPr>
+          <a:xfrm>
+            <a:off x="646112" y="452718"/>
+            <a:ext cx="4165580" cy="1400530"/>
+          </a:xfrm>
+        </p:spPr>
+        <p:txBody>
+          <a:bodyPr>
+            <a:normAutofit/>
+          </a:bodyPr>
+          <a:lstStyle/>
+          <a:p>
+            <a:r>
+              <a:rPr lang="en-US" dirty="0"/>
+              <a:t>Volume in docker run</a:t>
+            </a:r>
+          </a:p>
+        </p:txBody>
+      </p:sp>
+      <p:sp>
+        <p:nvSpPr>
+          <p:cNvPr id="13" name="Freeform: Shape 12">
+            <a:extLst>
+              <a:ext uri="{FF2B5EF4-FFF2-40B4-BE49-F238E27FC236}">
+                <a16:creationId xmlns:a16="http://schemas.microsoft.com/office/drawing/2014/main" id="{01F06C3F-35EE-478B-B96B-1247519C73C3}"/>
+              </a:ext>
+              <a:ext uri="{C183D7F6-B498-43B3-948B-1728B52AA6E4}">
+                <adec:decorative xmlns:adec="http://schemas.microsoft.com/office/drawing/2017/decorative" val="1"/>
+              </a:ext>
+            </a:extLst>
+          </p:cNvPr>
+          <p:cNvSpPr>
+            <a:spLocks noGrp="1" noRot="1" noChangeAspect="1" noMove="1" noResize="1" noEditPoints="1" noAdjustHandles="1" noChangeArrowheads="1" noChangeShapeType="1" noTextEdit="1"/>
+          </p:cNvSpPr>
+          <p:nvPr>
+            <p:extLst>
+              <p:ext uri="{386F3935-93C4-4BCD-93E2-E3B085C9AB24}">
+                <p16:designElem xmlns:p16="http://schemas.microsoft.com/office/powerpoint/2015/main" val="1"/>
+              </p:ext>
+            </p:extLst>
+          </p:nvPr>
+        </p:nvSpPr>
+        <p:spPr bwMode="gray">
+          <a:xfrm rot="16200000">
+            <a:off x="5270819" y="-63600"/>
+            <a:ext cx="6858001" cy="6985200"/>
+          </a:xfrm>
+          <a:custGeom>
+            <a:avLst/>
+            <a:gdLst>
+              <a:gd name="connsiteX0" fmla="*/ 6858001 w 6858001"/>
+              <a:gd name="connsiteY0" fmla="*/ 1177 h 6985200"/>
+              <a:gd name="connsiteX1" fmla="*/ 6858001 w 6858001"/>
+              <a:gd name="connsiteY1" fmla="*/ 1344715 h 6985200"/>
+              <a:gd name="connsiteX2" fmla="*/ 6858000 w 6858001"/>
+              <a:gd name="connsiteY2" fmla="*/ 1344715 h 6985200"/>
+              <a:gd name="connsiteX3" fmla="*/ 6858000 w 6858001"/>
+              <a:gd name="connsiteY3" fmla="*/ 6985200 h 6985200"/>
+              <a:gd name="connsiteX4" fmla="*/ 0 w 6858001"/>
+              <a:gd name="connsiteY4" fmla="*/ 6985199 h 6985200"/>
+              <a:gd name="connsiteX5" fmla="*/ 0 w 6858001"/>
+              <a:gd name="connsiteY5" fmla="*/ 887191 h 6985200"/>
+              <a:gd name="connsiteX6" fmla="*/ 1 w 6858001"/>
+              <a:gd name="connsiteY6" fmla="*/ 887191 h 6985200"/>
+              <a:gd name="connsiteX7" fmla="*/ 1 w 6858001"/>
+              <a:gd name="connsiteY7" fmla="*/ 0 h 6985200"/>
+              <a:gd name="connsiteX8" fmla="*/ 40463 w 6858001"/>
+              <a:gd name="connsiteY8" fmla="*/ 5883 h 6985200"/>
+              <a:gd name="connsiteX9" fmla="*/ 159107 w 6858001"/>
+              <a:gd name="connsiteY9" fmla="*/ 23196 h 6985200"/>
+              <a:gd name="connsiteX10" fmla="*/ 245518 w 6858001"/>
+              <a:gd name="connsiteY10" fmla="*/ 35299 h 6985200"/>
+              <a:gd name="connsiteX11" fmla="*/ 348388 w 6858001"/>
+              <a:gd name="connsiteY11" fmla="*/ 48073 h 6985200"/>
+              <a:gd name="connsiteX12" fmla="*/ 470460 w 6858001"/>
+              <a:gd name="connsiteY12" fmla="*/ 63369 h 6985200"/>
+              <a:gd name="connsiteX13" fmla="*/ 605563 w 6858001"/>
+              <a:gd name="connsiteY13" fmla="*/ 79506 h 6985200"/>
+              <a:gd name="connsiteX14" fmla="*/ 757810 w 6858001"/>
+              <a:gd name="connsiteY14" fmla="*/ 96483 h 6985200"/>
+              <a:gd name="connsiteX15" fmla="*/ 923774 w 6858001"/>
+              <a:gd name="connsiteY15" fmla="*/ 114469 h 6985200"/>
+              <a:gd name="connsiteX16" fmla="*/ 1104139 w 6858001"/>
+              <a:gd name="connsiteY16" fmla="*/ 132454 h 6985200"/>
+              <a:gd name="connsiteX17" fmla="*/ 1296163 w 6858001"/>
+              <a:gd name="connsiteY17" fmla="*/ 150776 h 6985200"/>
+              <a:gd name="connsiteX18" fmla="*/ 1503275 w 6858001"/>
+              <a:gd name="connsiteY18" fmla="*/ 167753 h 6985200"/>
+              <a:gd name="connsiteX19" fmla="*/ 1719988 w 6858001"/>
+              <a:gd name="connsiteY19" fmla="*/ 184058 h 6985200"/>
+              <a:gd name="connsiteX20" fmla="*/ 1949045 w 6858001"/>
+              <a:gd name="connsiteY20" fmla="*/ 198849 h 6985200"/>
+              <a:gd name="connsiteX21" fmla="*/ 2187703 w 6858001"/>
+              <a:gd name="connsiteY21" fmla="*/ 212969 h 6985200"/>
+              <a:gd name="connsiteX22" fmla="*/ 2436649 w 6858001"/>
+              <a:gd name="connsiteY22" fmla="*/ 226248 h 6985200"/>
+              <a:gd name="connsiteX23" fmla="*/ 2564208 w 6858001"/>
+              <a:gd name="connsiteY23" fmla="*/ 230955 h 6985200"/>
+              <a:gd name="connsiteX24" fmla="*/ 2694509 w 6858001"/>
+              <a:gd name="connsiteY24" fmla="*/ 236165 h 6985200"/>
+              <a:gd name="connsiteX25" fmla="*/ 2826869 w 6858001"/>
+              <a:gd name="connsiteY25" fmla="*/ 241040 h 6985200"/>
+              <a:gd name="connsiteX26" fmla="*/ 2959914 w 6858001"/>
+              <a:gd name="connsiteY26" fmla="*/ 244234 h 6985200"/>
+              <a:gd name="connsiteX27" fmla="*/ 3095702 w 6858001"/>
+              <a:gd name="connsiteY27" fmla="*/ 247091 h 6985200"/>
+              <a:gd name="connsiteX28" fmla="*/ 3232862 w 6858001"/>
+              <a:gd name="connsiteY28" fmla="*/ 250117 h 6985200"/>
+              <a:gd name="connsiteX29" fmla="*/ 3372766 w 6858001"/>
+              <a:gd name="connsiteY29" fmla="*/ 252134 h 6985200"/>
+              <a:gd name="connsiteX30" fmla="*/ 3514040 w 6858001"/>
+              <a:gd name="connsiteY30" fmla="*/ 252134 h 6985200"/>
+              <a:gd name="connsiteX31" fmla="*/ 3656686 w 6858001"/>
+              <a:gd name="connsiteY31" fmla="*/ 253142 h 6985200"/>
+              <a:gd name="connsiteX32" fmla="*/ 3800705 w 6858001"/>
+              <a:gd name="connsiteY32" fmla="*/ 252134 h 6985200"/>
+              <a:gd name="connsiteX33" fmla="*/ 3946780 w 6858001"/>
+              <a:gd name="connsiteY33" fmla="*/ 250117 h 6985200"/>
+              <a:gd name="connsiteX34" fmla="*/ 4092856 w 6858001"/>
+              <a:gd name="connsiteY34" fmla="*/ 248268 h 6985200"/>
+              <a:gd name="connsiteX35" fmla="*/ 4240988 w 6858001"/>
+              <a:gd name="connsiteY35" fmla="*/ 244234 h 6985200"/>
+              <a:gd name="connsiteX36" fmla="*/ 4390492 w 6858001"/>
+              <a:gd name="connsiteY36" fmla="*/ 240032 h 6985200"/>
+              <a:gd name="connsiteX37" fmla="*/ 4539997 w 6858001"/>
+              <a:gd name="connsiteY37" fmla="*/ 235157 h 6985200"/>
+              <a:gd name="connsiteX38" fmla="*/ 4690873 w 6858001"/>
+              <a:gd name="connsiteY38" fmla="*/ 228266 h 6985200"/>
+              <a:gd name="connsiteX39" fmla="*/ 4843120 w 6858001"/>
+              <a:gd name="connsiteY39" fmla="*/ 220029 h 6985200"/>
+              <a:gd name="connsiteX40" fmla="*/ 4996054 w 6858001"/>
+              <a:gd name="connsiteY40" fmla="*/ 212129 h 6985200"/>
+              <a:gd name="connsiteX41" fmla="*/ 5148987 w 6858001"/>
+              <a:gd name="connsiteY41" fmla="*/ 202044 h 6985200"/>
+              <a:gd name="connsiteX42" fmla="*/ 5303978 w 6858001"/>
+              <a:gd name="connsiteY42" fmla="*/ 189941 h 6985200"/>
+              <a:gd name="connsiteX43" fmla="*/ 5456911 w 6858001"/>
+              <a:gd name="connsiteY43" fmla="*/ 177839 h 6985200"/>
+              <a:gd name="connsiteX44" fmla="*/ 5612588 w 6858001"/>
+              <a:gd name="connsiteY44" fmla="*/ 163887 h 6985200"/>
+              <a:gd name="connsiteX45" fmla="*/ 5768950 w 6858001"/>
+              <a:gd name="connsiteY45" fmla="*/ 148591 h 6985200"/>
+              <a:gd name="connsiteX46" fmla="*/ 5923255 w 6858001"/>
+              <a:gd name="connsiteY46" fmla="*/ 132455 h 6985200"/>
+              <a:gd name="connsiteX47" fmla="*/ 6079618 w 6858001"/>
+              <a:gd name="connsiteY47" fmla="*/ 113629 h 6985200"/>
+              <a:gd name="connsiteX48" fmla="*/ 6235294 w 6858001"/>
+              <a:gd name="connsiteY48" fmla="*/ 93458 h 6985200"/>
+              <a:gd name="connsiteX49" fmla="*/ 6391657 w 6858001"/>
+              <a:gd name="connsiteY49" fmla="*/ 73455 h 6985200"/>
+              <a:gd name="connsiteX50" fmla="*/ 6547333 w 6858001"/>
+              <a:gd name="connsiteY50" fmla="*/ 50091 h 6985200"/>
+              <a:gd name="connsiteX51" fmla="*/ 6702324 w 6858001"/>
+              <a:gd name="connsiteY51" fmla="*/ 26222 h 6985200"/>
+            </a:gdLst>
+            <a:ahLst/>
+            <a:cxnLst>
+              <a:cxn ang="0">
+                <a:pos x="connsiteX0" y="connsiteY0"/>
+              </a:cxn>
+              <a:cxn ang="0">
+                <a:pos x="connsiteX1" y="connsiteY1"/>
+              </a:cxn>
+              <a:cxn ang="0">
+                <a:pos x="connsiteX2" y="connsiteY2"/>
+              </a:cxn>
+              <a:cxn ang="0">
+                <a:pos x="connsiteX3" y="connsiteY3"/>
+              </a:cxn>
+              <a:cxn ang="0">
+                <a:pos x="connsiteX4" y="connsiteY4"/>
+              </a:cxn>
+              <a:cxn ang="0">
+                <a:pos x="connsiteX5" y="connsiteY5"/>
+              </a:cxn>
+              <a:cxn ang="0">
+                <a:pos x="connsiteX6" y="connsiteY6"/>
+              </a:cxn>
+              <a:cxn ang="0">
+                <a:pos x="connsiteX7" y="connsiteY7"/>
+              </a:cxn>
+              <a:cxn ang="0">
+                <a:pos x="connsiteX8" y="connsiteY8"/>
+              </a:cxn>
+              <a:cxn ang="0">
+                <a:pos x="connsiteX9" y="connsiteY9"/>
+              </a:cxn>
+              <a:cxn ang="0">
+                <a:pos x="connsiteX10" y="connsiteY10"/>
+              </a:cxn>
+              <a:cxn ang="0">
+                <a:pos x="connsiteX11" y="connsiteY11"/>
+              </a:cxn>
+              <a:cxn ang="0">
+                <a:pos x="connsiteX12" y="connsiteY12"/>
+              </a:cxn>
+              <a:cxn ang="0">
+                <a:pos x="connsiteX13" y="connsiteY13"/>
+              </a:cxn>
+              <a:cxn ang="0">
+                <a:pos x="connsiteX14" y="connsiteY14"/>
+              </a:cxn>
+              <a:cxn ang="0">
+                <a:pos x="connsiteX15" y="connsiteY15"/>
+              </a:cxn>
+              <a:cxn ang="0">
+                <a:pos x="connsiteX16" y="connsiteY16"/>
+              </a:cxn>
+              <a:cxn ang="0">
+                <a:pos x="connsiteX17" y="connsiteY17"/>
+              </a:cxn>
+              <a:cxn ang="0">
+                <a:pos x="connsiteX18" y="connsiteY18"/>
+              </a:cxn>
+              <a:cxn ang="0">
+                <a:pos x="connsiteX19" y="connsiteY19"/>
+              </a:cxn>
+              <a:cxn ang="0">
+                <a:pos x="connsiteX20" y="connsiteY20"/>
+              </a:cxn>
+              <a:cxn ang="0">
+                <a:pos x="connsiteX21" y="connsiteY21"/>
+              </a:cxn>
+              <a:cxn ang="0">
+                <a:pos x="connsiteX22" y="connsiteY22"/>
+              </a:cxn>
+              <a:cxn ang="0">
+                <a:pos x="connsiteX23" y="connsiteY23"/>
+              </a:cxn>
+              <a:cxn ang="0">
+                <a:pos x="connsiteX24" y="connsiteY24"/>
+              </a:cxn>
+              <a:cxn ang="0">
+                <a:pos x="connsiteX25" y="connsiteY25"/>
+              </a:cxn>
+              <a:cxn ang="0">
+                <a:pos x="connsiteX26" y="connsiteY26"/>
+              </a:cxn>
+              <a:cxn ang="0">
+                <a:pos x="connsiteX27" y="connsiteY27"/>
+              </a:cxn>
+              <a:cxn ang="0">
+                <a:pos x="connsiteX28" y="connsiteY28"/>
+              </a:cxn>
+              <a:cxn ang="0">
+                <a:pos x="connsiteX29" y="connsiteY29"/>
+              </a:cxn>
+              <a:cxn ang="0">
+                <a:pos x="connsiteX30" y="connsiteY30"/>
+              </a:cxn>
+              <a:cxn ang="0">
+                <a:pos x="connsiteX31" y="connsiteY31"/>
+              </a:cxn>
+              <a:cxn ang="0">
+                <a:pos x="connsiteX32" y="connsiteY32"/>
+              </a:cxn>
+              <a:cxn ang="0">
+                <a:pos x="connsiteX33" y="connsiteY33"/>
+              </a:cxn>
+              <a:cxn ang="0">
+                <a:pos x="connsiteX34" y="connsiteY34"/>
+              </a:cxn>
+              <a:cxn ang="0">
+                <a:pos x="connsiteX35" y="connsiteY35"/>
+              </a:cxn>
+              <a:cxn ang="0">
+                <a:pos x="connsiteX36" y="connsiteY36"/>
+              </a:cxn>
+              <a:cxn ang="0">
+                <a:pos x="connsiteX37" y="connsiteY37"/>
+              </a:cxn>
+              <a:cxn ang="0">
+                <a:pos x="connsiteX38" y="connsiteY38"/>
+              </a:cxn>
+              <a:cxn ang="0">
+                <a:pos x="connsiteX39" y="connsiteY39"/>
+              </a:cxn>
+              <a:cxn ang="0">
+                <a:pos x="connsiteX40" y="connsiteY40"/>
+              </a:cxn>
+              <a:cxn ang="0">
+                <a:pos x="connsiteX41" y="connsiteY41"/>
+              </a:cxn>
+              <a:cxn ang="0">
+                <a:pos x="connsiteX42" y="connsiteY42"/>
+              </a:cxn>
+              <a:cxn ang="0">
+                <a:pos x="connsiteX43" y="connsiteY43"/>
+              </a:cxn>
+              <a:cxn ang="0">
+                <a:pos x="connsiteX44" y="connsiteY44"/>
+              </a:cxn>
+              <a:cxn ang="0">
+                <a:pos x="connsiteX45" y="connsiteY45"/>
+              </a:cxn>
+              <a:cxn ang="0">
+                <a:pos x="connsiteX46" y="connsiteY46"/>
+              </a:cxn>
+              <a:cxn ang="0">
+                <a:pos x="connsiteX47" y="connsiteY47"/>
+              </a:cxn>
+              <a:cxn ang="0">
+                <a:pos x="connsiteX48" y="connsiteY48"/>
+              </a:cxn>
+              <a:cxn ang="0">
+                <a:pos x="connsiteX49" y="connsiteY49"/>
+              </a:cxn>
+              <a:cxn ang="0">
+                <a:pos x="connsiteX50" y="connsiteY50"/>
+              </a:cxn>
+              <a:cxn ang="0">
+                <a:pos x="connsiteX51" y="connsiteY51"/>
+              </a:cxn>
+            </a:cxnLst>
+            <a:rect l="l" t="t" r="r" b="b"/>
+            <a:pathLst>
+              <a:path w="6858001" h="6985200">
+                <a:moveTo>
+                  <a:pt x="6858001" y="1177"/>
+                </a:moveTo>
+                <a:lnTo>
+                  <a:pt x="6858001" y="1344715"/>
+                </a:lnTo>
+                <a:lnTo>
+                  <a:pt x="6858000" y="1344715"/>
+                </a:lnTo>
+                <a:lnTo>
+                  <a:pt x="6858000" y="6985200"/>
+                </a:lnTo>
+                <a:lnTo>
+                  <a:pt x="0" y="6985199"/>
+                </a:lnTo>
+                <a:lnTo>
+                  <a:pt x="0" y="887191"/>
+                </a:lnTo>
+                <a:lnTo>
+                  <a:pt x="1" y="887191"/>
+                </a:lnTo>
+                <a:lnTo>
+                  <a:pt x="1" y="0"/>
+                </a:lnTo>
+                <a:lnTo>
+                  <a:pt x="40463" y="5883"/>
+                </a:lnTo>
+                <a:lnTo>
+                  <a:pt x="159107" y="23196"/>
+                </a:lnTo>
+                <a:lnTo>
+                  <a:pt x="245518" y="35299"/>
+                </a:lnTo>
+                <a:lnTo>
+                  <a:pt x="348388" y="48073"/>
+                </a:lnTo>
+                <a:lnTo>
+                  <a:pt x="470460" y="63369"/>
+                </a:lnTo>
+                <a:lnTo>
+                  <a:pt x="605563" y="79506"/>
+                </a:lnTo>
+                <a:lnTo>
+                  <a:pt x="757810" y="96483"/>
+                </a:lnTo>
+                <a:lnTo>
+                  <a:pt x="923774" y="114469"/>
+                </a:lnTo>
+                <a:lnTo>
+                  <a:pt x="1104139" y="132454"/>
+                </a:lnTo>
+                <a:lnTo>
+                  <a:pt x="1296163" y="150776"/>
+                </a:lnTo>
+                <a:lnTo>
+                  <a:pt x="1503275" y="167753"/>
+                </a:lnTo>
+                <a:lnTo>
+                  <a:pt x="1719988" y="184058"/>
+                </a:lnTo>
+                <a:lnTo>
+                  <a:pt x="1949045" y="198849"/>
+                </a:lnTo>
+                <a:lnTo>
+                  <a:pt x="2187703" y="212969"/>
+                </a:lnTo>
+                <a:lnTo>
+                  <a:pt x="2436649" y="226248"/>
+                </a:lnTo>
+                <a:lnTo>
+                  <a:pt x="2564208" y="230955"/>
+                </a:lnTo>
+                <a:lnTo>
+                  <a:pt x="2694509" y="236165"/>
+                </a:lnTo>
+                <a:lnTo>
+                  <a:pt x="2826869" y="241040"/>
+                </a:lnTo>
+                <a:lnTo>
+                  <a:pt x="2959914" y="244234"/>
+                </a:lnTo>
+                <a:lnTo>
+                  <a:pt x="3095702" y="247091"/>
+                </a:lnTo>
+                <a:lnTo>
+                  <a:pt x="3232862" y="250117"/>
+                </a:lnTo>
+                <a:lnTo>
+                  <a:pt x="3372766" y="252134"/>
+                </a:lnTo>
+                <a:lnTo>
+                  <a:pt x="3514040" y="252134"/>
+                </a:lnTo>
+                <a:lnTo>
+                  <a:pt x="3656686" y="253142"/>
+                </a:lnTo>
+                <a:lnTo>
+                  <a:pt x="3800705" y="252134"/>
+                </a:lnTo>
+                <a:lnTo>
+                  <a:pt x="3946780" y="250117"/>
+                </a:lnTo>
+                <a:lnTo>
+                  <a:pt x="4092856" y="248268"/>
+                </a:lnTo>
+                <a:lnTo>
+                  <a:pt x="4240988" y="244234"/>
+                </a:lnTo>
+                <a:lnTo>
+                  <a:pt x="4390492" y="240032"/>
+                </a:lnTo>
+                <a:lnTo>
+                  <a:pt x="4539997" y="235157"/>
+                </a:lnTo>
+                <a:lnTo>
+                  <a:pt x="4690873" y="228266"/>
+                </a:lnTo>
+                <a:lnTo>
+                  <a:pt x="4843120" y="220029"/>
+                </a:lnTo>
+                <a:lnTo>
+                  <a:pt x="4996054" y="212129"/>
+                </a:lnTo>
+                <a:lnTo>
+                  <a:pt x="5148987" y="202044"/>
+                </a:lnTo>
+                <a:lnTo>
+                  <a:pt x="5303978" y="189941"/>
+                </a:lnTo>
+                <a:lnTo>
+                  <a:pt x="5456911" y="177839"/>
+                </a:lnTo>
+                <a:lnTo>
+                  <a:pt x="5612588" y="163887"/>
+                </a:lnTo>
+                <a:lnTo>
+                  <a:pt x="5768950" y="148591"/>
+                </a:lnTo>
+                <a:lnTo>
+                  <a:pt x="5923255" y="132455"/>
+                </a:lnTo>
+                <a:lnTo>
+                  <a:pt x="6079618" y="113629"/>
+                </a:lnTo>
+                <a:lnTo>
+                  <a:pt x="6235294" y="93458"/>
+                </a:lnTo>
+                <a:lnTo>
+                  <a:pt x="6391657" y="73455"/>
+                </a:lnTo>
+                <a:lnTo>
+                  <a:pt x="6547333" y="50091"/>
+                </a:lnTo>
+                <a:lnTo>
+                  <a:pt x="6702324" y="26222"/>
+                </a:lnTo>
+                <a:close/>
+              </a:path>
+            </a:pathLst>
+          </a:custGeom>
+          <a:solidFill>
+            <a:srgbClr val="FFFFFF"/>
+          </a:solidFill>
+          <a:ln>
+            <a:noFill/>
+          </a:ln>
+        </p:spPr>
+      </p:sp>
+      <p:sp>
+        <p:nvSpPr>
+          <p:cNvPr id="15" name="Freeform 23">
+            <a:extLst>
+              <a:ext uri="{FF2B5EF4-FFF2-40B4-BE49-F238E27FC236}">
+                <a16:creationId xmlns:a16="http://schemas.microsoft.com/office/drawing/2014/main" id="{72742D7C-18EF-4DDC-B3B1-7D394C348ACC}"/>
+              </a:ext>
+              <a:ext uri="{C183D7F6-B498-43B3-948B-1728B52AA6E4}">
+                <adec:decorative xmlns:adec="http://schemas.microsoft.com/office/drawing/2017/decorative" val="1"/>
+              </a:ext>
+            </a:extLst>
+          </p:cNvPr>
+          <p:cNvSpPr>
+            <a:spLocks noGrp="1" noRot="1" noChangeAspect="1" noMove="1" noResize="1" noEditPoints="1" noAdjustHandles="1" noChangeArrowheads="1" noChangeShapeType="1" noTextEdit="1"/>
+          </p:cNvSpPr>
+          <p:nvPr>
+            <p:extLst>
+              <p:ext uri="{386F3935-93C4-4BCD-93E2-E3B085C9AB24}">
+                <p16:designElem xmlns:p16="http://schemas.microsoft.com/office/powerpoint/2015/main" val="1"/>
+              </p:ext>
+            </p:extLst>
+          </p:nvPr>
+        </p:nvSpPr>
+        <p:spPr>
+          <a:xfrm>
+            <a:off x="4994020" y="-1"/>
+            <a:ext cx="559472" cy="3709642"/>
+          </a:xfrm>
+          <a:custGeom>
+            <a:avLst/>
+            <a:gdLst>
+              <a:gd name="connsiteX0" fmla="*/ 0 w 559472"/>
+              <a:gd name="connsiteY0" fmla="*/ 0 h 3709642"/>
+              <a:gd name="connsiteX1" fmla="*/ 473952 w 559472"/>
+              <a:gd name="connsiteY1" fmla="*/ 0 h 3709642"/>
+              <a:gd name="connsiteX2" fmla="*/ 485840 w 559472"/>
+              <a:gd name="connsiteY2" fmla="*/ 161194 h 3709642"/>
+              <a:gd name="connsiteX3" fmla="*/ 523949 w 559472"/>
+              <a:gd name="connsiteY3" fmla="*/ 3672197 h 3709642"/>
+              <a:gd name="connsiteX4" fmla="*/ 454748 w 559472"/>
+              <a:gd name="connsiteY4" fmla="*/ 3709642 h 3709642"/>
+              <a:gd name="connsiteX5" fmla="*/ 448224 w 559472"/>
+              <a:gd name="connsiteY5" fmla="*/ 3510471 h 3709642"/>
+              <a:gd name="connsiteX6" fmla="*/ 443564 w 559472"/>
+              <a:gd name="connsiteY6" fmla="*/ 3408563 h 3709642"/>
+              <a:gd name="connsiteX7" fmla="*/ 438902 w 559472"/>
+              <a:gd name="connsiteY7" fmla="*/ 3304407 h 3709642"/>
+              <a:gd name="connsiteX8" fmla="*/ 433941 w 559472"/>
+              <a:gd name="connsiteY8" fmla="*/ 3198777 h 3709642"/>
+              <a:gd name="connsiteX9" fmla="*/ 427584 w 559472"/>
+              <a:gd name="connsiteY9" fmla="*/ 3092510 h 3709642"/>
+              <a:gd name="connsiteX10" fmla="*/ 420988 w 559472"/>
+              <a:gd name="connsiteY10" fmla="*/ 2984390 h 3709642"/>
+              <a:gd name="connsiteX11" fmla="*/ 414330 w 559472"/>
+              <a:gd name="connsiteY11" fmla="*/ 2874401 h 3709642"/>
+              <a:gd name="connsiteX12" fmla="*/ 406840 w 559472"/>
+              <a:gd name="connsiteY12" fmla="*/ 2762980 h 3709642"/>
+              <a:gd name="connsiteX13" fmla="*/ 397745 w 559472"/>
+              <a:gd name="connsiteY13" fmla="*/ 2650566 h 3709642"/>
+              <a:gd name="connsiteX14" fmla="*/ 389154 w 559472"/>
+              <a:gd name="connsiteY14" fmla="*/ 2536612 h 3709642"/>
+              <a:gd name="connsiteX15" fmla="*/ 379225 w 559472"/>
+              <a:gd name="connsiteY15" fmla="*/ 2421642 h 3709642"/>
+              <a:gd name="connsiteX16" fmla="*/ 368316 w 559472"/>
+              <a:gd name="connsiteY16" fmla="*/ 2305627 h 3709642"/>
+              <a:gd name="connsiteX17" fmla="*/ 357466 w 559472"/>
+              <a:gd name="connsiteY17" fmla="*/ 2189233 h 3709642"/>
+              <a:gd name="connsiteX18" fmla="*/ 344982 w 559472"/>
+              <a:gd name="connsiteY18" fmla="*/ 2071473 h 3709642"/>
+              <a:gd name="connsiteX19" fmla="*/ 332466 w 559472"/>
+              <a:gd name="connsiteY19" fmla="*/ 1952216 h 3709642"/>
+              <a:gd name="connsiteX20" fmla="*/ 319121 w 559472"/>
+              <a:gd name="connsiteY20" fmla="*/ 1833776 h 3709642"/>
+              <a:gd name="connsiteX21" fmla="*/ 304408 w 559472"/>
+              <a:gd name="connsiteY21" fmla="*/ 1713948 h 3709642"/>
+              <a:gd name="connsiteX22" fmla="*/ 288685 w 559472"/>
+              <a:gd name="connsiteY22" fmla="*/ 1592703 h 3709642"/>
+              <a:gd name="connsiteX23" fmla="*/ 273050 w 559472"/>
+              <a:gd name="connsiteY23" fmla="*/ 1471451 h 3709642"/>
+              <a:gd name="connsiteX24" fmla="*/ 255813 w 559472"/>
+              <a:gd name="connsiteY24" fmla="*/ 1350328 h 3709642"/>
+              <a:gd name="connsiteX25" fmla="*/ 237060 w 559472"/>
+              <a:gd name="connsiteY25" fmla="*/ 1227080 h 3709642"/>
+              <a:gd name="connsiteX26" fmla="*/ 218488 w 559472"/>
+              <a:gd name="connsiteY26" fmla="*/ 1106065 h 3709642"/>
+              <a:gd name="connsiteX27" fmla="*/ 198221 w 559472"/>
+              <a:gd name="connsiteY27" fmla="*/ 982940 h 3709642"/>
+              <a:gd name="connsiteX28" fmla="*/ 177152 w 559472"/>
+              <a:gd name="connsiteY28" fmla="*/ 858755 h 3709642"/>
+              <a:gd name="connsiteX29" fmla="*/ 155551 w 559472"/>
+              <a:gd name="connsiteY29" fmla="*/ 736861 h 3709642"/>
+              <a:gd name="connsiteX30" fmla="*/ 131782 w 559472"/>
+              <a:gd name="connsiteY30" fmla="*/ 613645 h 3709642"/>
+              <a:gd name="connsiteX31" fmla="*/ 107123 w 559472"/>
+              <a:gd name="connsiteY31" fmla="*/ 490500 h 3709642"/>
+              <a:gd name="connsiteX32" fmla="*/ 82552 w 559472"/>
+              <a:gd name="connsiteY32" fmla="*/ 367348 h 3709642"/>
+              <a:gd name="connsiteX33" fmla="*/ 55608 w 559472"/>
+              <a:gd name="connsiteY33" fmla="*/ 244762 h 3709642"/>
+              <a:gd name="connsiteX34" fmla="*/ 28130 w 559472"/>
+              <a:gd name="connsiteY34" fmla="*/ 122220 h 3709642"/>
+              <a:gd name="connsiteX35" fmla="*/ 0 w 559472"/>
+              <a:gd name="connsiteY35" fmla="*/ 0 h 3709642"/>
+            </a:gdLst>
+            <a:ahLst/>
+            <a:cxnLst>
+              <a:cxn ang="0">
+                <a:pos x="connsiteX0" y="connsiteY0"/>
+              </a:cxn>
+              <a:cxn ang="0">
+                <a:pos x="connsiteX1" y="connsiteY1"/>
+              </a:cxn>
+              <a:cxn ang="0">
+                <a:pos x="connsiteX2" y="connsiteY2"/>
+              </a:cxn>
+              <a:cxn ang="0">
+                <a:pos x="connsiteX3" y="connsiteY3"/>
+              </a:cxn>
+              <a:cxn ang="0">
+                <a:pos x="connsiteX4" y="connsiteY4"/>
+              </a:cxn>
+              <a:cxn ang="0">
+                <a:pos x="connsiteX5" y="connsiteY5"/>
+              </a:cxn>
+              <a:cxn ang="0">
+                <a:pos x="connsiteX6" y="connsiteY6"/>
+              </a:cxn>
+              <a:cxn ang="0">
+                <a:pos x="connsiteX7" y="connsiteY7"/>
+              </a:cxn>
+              <a:cxn ang="0">
+                <a:pos x="connsiteX8" y="connsiteY8"/>
+              </a:cxn>
+              <a:cxn ang="0">
+                <a:pos x="connsiteX9" y="connsiteY9"/>
+              </a:cxn>
+              <a:cxn ang="0">
+                <a:pos x="connsiteX10" y="connsiteY10"/>
+              </a:cxn>
+              <a:cxn ang="0">
+                <a:pos x="connsiteX11" y="connsiteY11"/>
+              </a:cxn>
+              <a:cxn ang="0">
+                <a:pos x="connsiteX12" y="connsiteY12"/>
+              </a:cxn>
+              <a:cxn ang="0">
+                <a:pos x="connsiteX13" y="connsiteY13"/>
+              </a:cxn>
+              <a:cxn ang="0">
+                <a:pos x="connsiteX14" y="connsiteY14"/>
+              </a:cxn>
+              <a:cxn ang="0">
+                <a:pos x="connsiteX15" y="connsiteY15"/>
+              </a:cxn>
+              <a:cxn ang="0">
+                <a:pos x="connsiteX16" y="connsiteY16"/>
+              </a:cxn>
+              <a:cxn ang="0">
+                <a:pos x="connsiteX17" y="connsiteY17"/>
+              </a:cxn>
+              <a:cxn ang="0">
+                <a:pos x="connsiteX18" y="connsiteY18"/>
+              </a:cxn>
+              <a:cxn ang="0">
+                <a:pos x="connsiteX19" y="connsiteY19"/>
+              </a:cxn>
+              <a:cxn ang="0">
+                <a:pos x="connsiteX20" y="connsiteY20"/>
+              </a:cxn>
+              <a:cxn ang="0">
+                <a:pos x="connsiteX21" y="connsiteY21"/>
+              </a:cxn>
+              <a:cxn ang="0">
+                <a:pos x="connsiteX22" y="connsiteY22"/>
+              </a:cxn>
+              <a:cxn ang="0">
+                <a:pos x="connsiteX23" y="connsiteY23"/>
+              </a:cxn>
+              <a:cxn ang="0">
+                <a:pos x="connsiteX24" y="connsiteY24"/>
+              </a:cxn>
+              <a:cxn ang="0">
+                <a:pos x="connsiteX25" y="connsiteY25"/>
+              </a:cxn>
+              <a:cxn ang="0">
+                <a:pos x="connsiteX26" y="connsiteY26"/>
+              </a:cxn>
+              <a:cxn ang="0">
+                <a:pos x="connsiteX27" y="connsiteY27"/>
+              </a:cxn>
+              <a:cxn ang="0">
+                <a:pos x="connsiteX28" y="connsiteY28"/>
+              </a:cxn>
+              <a:cxn ang="0">
+                <a:pos x="connsiteX29" y="connsiteY29"/>
+              </a:cxn>
+              <a:cxn ang="0">
+                <a:pos x="connsiteX30" y="connsiteY30"/>
+              </a:cxn>
+              <a:cxn ang="0">
+                <a:pos x="connsiteX31" y="connsiteY31"/>
+              </a:cxn>
+              <a:cxn ang="0">
+                <a:pos x="connsiteX32" y="connsiteY32"/>
+              </a:cxn>
+              <a:cxn ang="0">
+                <a:pos x="connsiteX33" y="connsiteY33"/>
+              </a:cxn>
+              <a:cxn ang="0">
+                <a:pos x="connsiteX34" y="connsiteY34"/>
+              </a:cxn>
+              <a:cxn ang="0">
+                <a:pos x="connsiteX35" y="connsiteY35"/>
+              </a:cxn>
+            </a:cxnLst>
+            <a:rect l="l" t="t" r="r" b="b"/>
+            <a:pathLst>
+              <a:path w="559472" h="3709642">
+                <a:moveTo>
+                  <a:pt x="0" y="0"/>
+                </a:moveTo>
+                <a:lnTo>
+                  <a:pt x="473952" y="0"/>
+                </a:lnTo>
+                <a:lnTo>
+                  <a:pt x="485840" y="161194"/>
+                </a:lnTo>
+                <a:cubicBezTo>
+                  <a:pt x="552063" y="1147770"/>
+                  <a:pt x="592441" y="3086737"/>
+                  <a:pt x="523949" y="3672197"/>
+                </a:cubicBezTo>
+                <a:cubicBezTo>
+                  <a:pt x="500842" y="3684557"/>
+                  <a:pt x="477855" y="3697282"/>
+                  <a:pt x="454748" y="3709642"/>
+                </a:cubicBezTo>
+                <a:lnTo>
+                  <a:pt x="448224" y="3510471"/>
+                </a:lnTo>
+                <a:lnTo>
+                  <a:pt x="443564" y="3408563"/>
+                </a:lnTo>
+                <a:lnTo>
+                  <a:pt x="438902" y="3304407"/>
+                </a:lnTo>
+                <a:lnTo>
+                  <a:pt x="433941" y="3198777"/>
+                </a:lnTo>
+                <a:lnTo>
+                  <a:pt x="427584" y="3092510"/>
+                </a:lnTo>
+                <a:lnTo>
+                  <a:pt x="420988" y="2984390"/>
+                </a:lnTo>
+                <a:lnTo>
+                  <a:pt x="414330" y="2874401"/>
+                </a:lnTo>
+                <a:lnTo>
+                  <a:pt x="406840" y="2762980"/>
+                </a:lnTo>
+                <a:lnTo>
+                  <a:pt x="397745" y="2650566"/>
+                </a:lnTo>
+                <a:lnTo>
+                  <a:pt x="389154" y="2536612"/>
+                </a:lnTo>
+                <a:lnTo>
+                  <a:pt x="379225" y="2421642"/>
+                </a:lnTo>
+                <a:lnTo>
+                  <a:pt x="368316" y="2305627"/>
+                </a:lnTo>
+                <a:lnTo>
+                  <a:pt x="357466" y="2189233"/>
+                </a:lnTo>
+                <a:lnTo>
+                  <a:pt x="344982" y="2071473"/>
+                </a:lnTo>
+                <a:lnTo>
+                  <a:pt x="332466" y="1952216"/>
+                </a:lnTo>
+                <a:lnTo>
+                  <a:pt x="319121" y="1833776"/>
+                </a:lnTo>
+                <a:lnTo>
+                  <a:pt x="304408" y="1713948"/>
+                </a:lnTo>
+                <a:lnTo>
+                  <a:pt x="288685" y="1592703"/>
+                </a:lnTo>
+                <a:lnTo>
+                  <a:pt x="273050" y="1471451"/>
+                </a:lnTo>
+                <a:lnTo>
+                  <a:pt x="255813" y="1350328"/>
+                </a:lnTo>
+                <a:lnTo>
+                  <a:pt x="237060" y="1227080"/>
+                </a:lnTo>
+                <a:lnTo>
+                  <a:pt x="218488" y="1106065"/>
+                </a:lnTo>
+                <a:lnTo>
+                  <a:pt x="198221" y="982940"/>
+                </a:lnTo>
+                <a:lnTo>
+                  <a:pt x="177152" y="858755"/>
+                </a:lnTo>
+                <a:lnTo>
+                  <a:pt x="155551" y="736861"/>
+                </a:lnTo>
+                <a:lnTo>
+                  <a:pt x="131782" y="613645"/>
+                </a:lnTo>
+                <a:lnTo>
+                  <a:pt x="107123" y="490500"/>
+                </a:lnTo>
+                <a:lnTo>
+                  <a:pt x="82552" y="367348"/>
+                </a:lnTo>
+                <a:lnTo>
+                  <a:pt x="55608" y="244762"/>
+                </a:lnTo>
+                <a:lnTo>
+                  <a:pt x="28130" y="122220"/>
+                </a:lnTo>
+                <a:lnTo>
+                  <a:pt x="0" y="0"/>
+                </a:lnTo>
+                <a:close/>
+              </a:path>
+            </a:pathLst>
+          </a:custGeom>
+          <a:solidFill>
+            <a:schemeClr val="tx1">
+              <a:alpha val="20000"/>
+            </a:schemeClr>
+          </a:solidFill>
+          <a:ln>
+            <a:noFill/>
+          </a:ln>
+        </p:spPr>
+        <p:txBody>
+          <a:bodyPr rtlCol="0" anchor="ctr"/>
+          <a:lstStyle/>
+          <a:p>
+            <a:pPr algn="ctr"/>
+            <a:endParaRPr lang="en-US"/>
+          </a:p>
+        </p:txBody>
+      </p:sp>
+      <p:pic>
+        <p:nvPicPr>
+          <p:cNvPr id="8" name="Picture 7">
+            <a:extLst>
+              <a:ext uri="{FF2B5EF4-FFF2-40B4-BE49-F238E27FC236}">
+                <a16:creationId xmlns:a16="http://schemas.microsoft.com/office/drawing/2014/main" id="{CA9442D6-A0C1-354A-817A-F4A2A7746EF6}"/>
+              </a:ext>
+            </a:extLst>
+          </p:cNvPr>
+          <p:cNvPicPr>
+            <a:picLocks noChangeAspect="1"/>
+          </p:cNvPicPr>
+          <p:nvPr/>
+        </p:nvPicPr>
+        <p:blipFill>
+          <a:blip r:embed="rId3"/>
+          <a:stretch>
+            <a:fillRect/>
+          </a:stretch>
+        </p:blipFill>
+        <p:spPr>
+          <a:xfrm>
+            <a:off x="264744" y="2640827"/>
+            <a:ext cx="5449471" cy="2642993"/>
+          </a:xfrm>
+          <a:prstGeom prst="rect">
+            <a:avLst/>
+          </a:prstGeom>
+          <a:effectLst/>
+        </p:spPr>
+      </p:pic>
+      <p:sp>
+        <p:nvSpPr>
+          <p:cNvPr id="17" name="Rectangle 16">
+            <a:extLst>
+              <a:ext uri="{FF2B5EF4-FFF2-40B4-BE49-F238E27FC236}">
+                <a16:creationId xmlns:a16="http://schemas.microsoft.com/office/drawing/2014/main" id="{5DFB004C-C794-45CE-846D-166C532D642C}"/>
+              </a:ext>
+              <a:ext uri="{C183D7F6-B498-43B3-948B-1728B52AA6E4}">
+                <adec:decorative xmlns:adec="http://schemas.microsoft.com/office/drawing/2017/decorative" val="1"/>
+              </a:ext>
+            </a:extLst>
+          </p:cNvPr>
+          <p:cNvSpPr>
+            <a:spLocks noGrp="1" noRot="1" noChangeAspect="1" noMove="1" noResize="1" noEditPoints="1" noAdjustHandles="1" noChangeArrowheads="1" noChangeShapeType="1" noTextEdit="1"/>
+          </p:cNvSpPr>
+          <p:nvPr>
+            <p:extLst>
+              <p:ext uri="{386F3935-93C4-4BCD-93E2-E3B085C9AB24}">
+                <p16:designElem xmlns:p16="http://schemas.microsoft.com/office/powerpoint/2015/main" val="1"/>
+              </p:ext>
+            </p:extLst>
+          </p:nvPr>
+        </p:nvSpPr>
+        <p:spPr>
+          <a:xfrm>
+            <a:off x="10442448" y="0"/>
+            <a:ext cx="685800" cy="1143000"/>
+          </a:xfrm>
+          <a:prstGeom prst="rect">
+            <a:avLst/>
+          </a:prstGeom>
+          <a:solidFill>
+            <a:schemeClr val="accent1"/>
+          </a:solidFill>
+          <a:ln>
+            <a:noFill/>
+          </a:ln>
+        </p:spPr>
+        <p:style>
+          <a:lnRef idx="1">
+            <a:schemeClr val="accent1"/>
+          </a:lnRef>
+          <a:fillRef idx="3">
+            <a:schemeClr val="accent1"/>
+          </a:fillRef>
+          <a:effectRef idx="2">
+            <a:schemeClr val="accent1"/>
+          </a:effectRef>
+          <a:fontRef idx="minor">
+            <a:schemeClr val="lt1"/>
+          </a:fontRef>
+        </p:style>
+      </p:sp>
+      <p:sp>
+        <p:nvSpPr>
+          <p:cNvPr id="3" name="Content Placeholder 2">
+            <a:extLst>
+              <a:ext uri="{FF2B5EF4-FFF2-40B4-BE49-F238E27FC236}">
+                <a16:creationId xmlns:a16="http://schemas.microsoft.com/office/drawing/2014/main" id="{955F7B1F-7F64-1C48-A6C5-02652EAE3CAE}"/>
+              </a:ext>
+            </a:extLst>
+          </p:cNvPr>
+          <p:cNvSpPr>
+            <a:spLocks noGrp="1"/>
+          </p:cNvSpPr>
+          <p:nvPr>
+            <p:ph idx="1"/>
+          </p:nvPr>
+        </p:nvSpPr>
+        <p:spPr>
+          <a:xfrm>
+            <a:off x="646113" y="2052918"/>
+            <a:ext cx="4165146" cy="4195481"/>
+          </a:xfrm>
+        </p:spPr>
+        <p:txBody>
+          <a:bodyPr>
+            <a:normAutofit/>
+          </a:bodyPr>
+          <a:lstStyle/>
+          <a:p>
+            <a:endParaRPr lang="en-US" dirty="0"/>
+          </a:p>
+        </p:txBody>
+      </p:sp>
+      <p:pic>
+        <p:nvPicPr>
+          <p:cNvPr id="5" name="Picture 4">
+            <a:extLst>
+              <a:ext uri="{FF2B5EF4-FFF2-40B4-BE49-F238E27FC236}">
+                <a16:creationId xmlns:a16="http://schemas.microsoft.com/office/drawing/2014/main" id="{345AD2B9-C04D-FE4B-84D0-2CBEA2671B9C}"/>
+              </a:ext>
+            </a:extLst>
+          </p:cNvPr>
+          <p:cNvPicPr>
+            <a:picLocks noChangeAspect="1"/>
+          </p:cNvPicPr>
+          <p:nvPr/>
+        </p:nvPicPr>
+        <p:blipFill>
+          <a:blip r:embed="rId4"/>
+          <a:stretch>
+            <a:fillRect/>
+          </a:stretch>
+        </p:blipFill>
+        <p:spPr>
+          <a:xfrm>
+            <a:off x="7812306" y="3709641"/>
+            <a:ext cx="2121299" cy="1990085"/>
+          </a:xfrm>
+          <a:prstGeom prst="rect">
+            <a:avLst/>
+          </a:prstGeom>
+          <a:effectLst/>
+        </p:spPr>
+      </p:pic>
+      <p:pic>
+        <p:nvPicPr>
+          <p:cNvPr id="7" name="Picture 6">
+            <a:extLst>
+              <a:ext uri="{FF2B5EF4-FFF2-40B4-BE49-F238E27FC236}">
+                <a16:creationId xmlns:a16="http://schemas.microsoft.com/office/drawing/2014/main" id="{99A6A63E-C722-3644-9BED-E33FA561D3F9}"/>
+              </a:ext>
+            </a:extLst>
+          </p:cNvPr>
+          <p:cNvPicPr>
+            <a:picLocks noChangeAspect="1"/>
+          </p:cNvPicPr>
+          <p:nvPr/>
+        </p:nvPicPr>
+        <p:blipFill>
+          <a:blip r:embed="rId5"/>
+          <a:stretch>
+            <a:fillRect/>
+          </a:stretch>
+        </p:blipFill>
+        <p:spPr>
+          <a:xfrm>
+            <a:off x="7355649" y="1486082"/>
+            <a:ext cx="3434031" cy="1751355"/>
+          </a:xfrm>
+          <a:prstGeom prst="rect">
+            <a:avLst/>
+          </a:prstGeom>
+          <a:effectLst/>
+        </p:spPr>
+      </p:pic>
+    </p:spTree>
+    <p:extLst>
+      <p:ext uri="{BB962C8B-B14F-4D97-AF65-F5344CB8AC3E}">
+        <p14:creationId xmlns:p14="http://schemas.microsoft.com/office/powerpoint/2010/main" val="2139780359"/>
+      </p:ext>
+    </p:extLst>
+  </p:cSld>
+  <p:clrMapOvr>
+    <a:masterClrMapping/>
+  </p:clrMapOvr>
+</p:sld>
+</file>
+
+<file path=ppt/slides/slide22.xml><?xml version="1.0" encoding="utf-8"?>
+<p:sld xmlns:a="http://schemas.openxmlformats.org/drawingml/2006/main" xmlns:r="http://schemas.openxmlformats.org/officeDocument/2006/relationships" xmlns:p="http://schemas.openxmlformats.org/presentationml/2006/main">
+  <p:cSld>
+    <p:spTree>
+      <p:nvGrpSpPr>
+        <p:cNvPr id="1" name=""/>
+        <p:cNvGrpSpPr/>
+        <p:nvPr/>
+      </p:nvGrpSpPr>
+      <p:grpSpPr>
+        <a:xfrm>
+          <a:off x="0" y="0"/>
+          <a:ext cx="0" cy="0"/>
+          <a:chOff x="0" y="0"/>
+          <a:chExt cx="0" cy="0"/>
+        </a:xfrm>
+      </p:grpSpPr>
+      <p:sp>
+        <p:nvSpPr>
+          <p:cNvPr id="2" name="Title 1">
+            <a:extLst>
+              <a:ext uri="{FF2B5EF4-FFF2-40B4-BE49-F238E27FC236}">
+                <a16:creationId xmlns:a16="http://schemas.microsoft.com/office/drawing/2014/main" id="{C7CCA932-9A7E-D747-89BF-2E759FD3806A}"/>
+              </a:ext>
+            </a:extLst>
+          </p:cNvPr>
+          <p:cNvSpPr>
+            <a:spLocks noGrp="1"/>
+          </p:cNvSpPr>
+          <p:nvPr>
+            <p:ph type="title"/>
+          </p:nvPr>
+        </p:nvSpPr>
+        <p:spPr/>
+        <p:txBody>
+          <a:bodyPr/>
+          <a:lstStyle/>
+          <a:p>
+            <a:r>
+              <a:rPr lang="en-US" dirty="0"/>
+              <a:t>bind/volume</a:t>
+            </a:r>
+            <a:r>
+              <a:rPr lang="zh-CN" altLang="en-US" dirty="0"/>
+              <a:t> </a:t>
+            </a:r>
+            <a:r>
+              <a:rPr lang="en-US" altLang="zh-CN" dirty="0"/>
+              <a:t>in</a:t>
+            </a:r>
+            <a:r>
+              <a:rPr lang="zh-CN" altLang="en-US" dirty="0"/>
+              <a:t> </a:t>
+            </a:r>
+            <a:r>
+              <a:rPr lang="en-US" altLang="zh-CN" dirty="0"/>
+              <a:t>docker-compose</a:t>
+            </a:r>
+            <a:endParaRPr lang="en-US" dirty="0"/>
+          </a:p>
+        </p:txBody>
+      </p:sp>
+      <p:sp>
+        <p:nvSpPr>
+          <p:cNvPr id="3" name="Content Placeholder 2">
+            <a:extLst>
+              <a:ext uri="{FF2B5EF4-FFF2-40B4-BE49-F238E27FC236}">
+                <a16:creationId xmlns:a16="http://schemas.microsoft.com/office/drawing/2014/main" id="{69AA4048-75F4-364A-B8FC-6EC55448331D}"/>
+              </a:ext>
+            </a:extLst>
+          </p:cNvPr>
+          <p:cNvSpPr>
+            <a:spLocks noGrp="1"/>
+          </p:cNvSpPr>
+          <p:nvPr>
+            <p:ph idx="1"/>
+          </p:nvPr>
+        </p:nvSpPr>
+        <p:spPr/>
+        <p:txBody>
+          <a:bodyPr/>
+          <a:lstStyle/>
+          <a:p>
+            <a:endParaRPr lang="en-US"/>
+          </a:p>
+        </p:txBody>
+      </p:sp>
+      <p:pic>
+        <p:nvPicPr>
+          <p:cNvPr id="4" name="Picture 3">
+            <a:extLst>
+              <a:ext uri="{FF2B5EF4-FFF2-40B4-BE49-F238E27FC236}">
+                <a16:creationId xmlns:a16="http://schemas.microsoft.com/office/drawing/2014/main" id="{C29319CF-AC97-CE4A-8278-35D9622F3914}"/>
+              </a:ext>
+            </a:extLst>
+          </p:cNvPr>
+          <p:cNvPicPr>
+            <a:picLocks noChangeAspect="1"/>
+          </p:cNvPicPr>
+          <p:nvPr/>
+        </p:nvPicPr>
+        <p:blipFill>
+          <a:blip r:embed="rId2"/>
+          <a:stretch>
+            <a:fillRect/>
+          </a:stretch>
+        </p:blipFill>
+        <p:spPr>
+          <a:xfrm>
+            <a:off x="2142147" y="1993376"/>
+            <a:ext cx="6261133" cy="4314563"/>
+          </a:xfrm>
+          <a:prstGeom prst="rect">
+            <a:avLst/>
+          </a:prstGeom>
+        </p:spPr>
+      </p:pic>
+    </p:spTree>
+    <p:extLst>
+      <p:ext uri="{BB962C8B-B14F-4D97-AF65-F5344CB8AC3E}">
+        <p14:creationId xmlns:p14="http://schemas.microsoft.com/office/powerpoint/2010/main" val="4102577482"/>
+      </p:ext>
+    </p:extLst>
+  </p:cSld>
+  <p:clrMapOvr>
+    <a:masterClrMapping/>
+  </p:clrMapOvr>
+</p:sld>
+</file>
+
+<file path=ppt/slides/slide23.xml><?xml version="1.0" encoding="utf-8"?>
+<p:sld xmlns:a="http://schemas.openxmlformats.org/drawingml/2006/main" xmlns:r="http://schemas.openxmlformats.org/officeDocument/2006/relationships" xmlns:p="http://schemas.openxmlformats.org/presentationml/2006/main">
+  <p:cSld>
+    <p:spTree>
+      <p:nvGrpSpPr>
+        <p:cNvPr id="1" name=""/>
+        <p:cNvGrpSpPr/>
+        <p:nvPr/>
+      </p:nvGrpSpPr>
+      <p:grpSpPr>
+        <a:xfrm>
+          <a:off x="0" y="0"/>
+          <a:ext cx="0" cy="0"/>
+          <a:chOff x="0" y="0"/>
+          <a:chExt cx="0" cy="0"/>
+        </a:xfrm>
+      </p:grpSpPr>
+      <p:sp>
+        <p:nvSpPr>
+          <p:cNvPr id="2" name="Title 1">
+            <a:extLst>
+              <a:ext uri="{FF2B5EF4-FFF2-40B4-BE49-F238E27FC236}">
+                <a16:creationId xmlns:a16="http://schemas.microsoft.com/office/drawing/2014/main" id="{FBED0BA8-8D28-954D-9126-E21F186B4CFC}"/>
+              </a:ext>
+            </a:extLst>
+          </p:cNvPr>
+          <p:cNvSpPr>
+            <a:spLocks noGrp="1"/>
+          </p:cNvSpPr>
+          <p:nvPr>
+            <p:ph type="title"/>
+          </p:nvPr>
+        </p:nvSpPr>
+        <p:spPr/>
+        <p:txBody>
+          <a:bodyPr/>
+          <a:lstStyle/>
+          <a:p>
+            <a:r>
+              <a:rPr lang="en-US" dirty="0"/>
+              <a:t>Docker Volume</a:t>
+            </a:r>
+          </a:p>
+        </p:txBody>
+      </p:sp>
+      <p:sp>
+        <p:nvSpPr>
+          <p:cNvPr id="3" name="Content Placeholder 2">
+            <a:extLst>
+              <a:ext uri="{FF2B5EF4-FFF2-40B4-BE49-F238E27FC236}">
+                <a16:creationId xmlns:a16="http://schemas.microsoft.com/office/drawing/2014/main" id="{8D672A07-E71F-A64B-AEDA-175A86E05289}"/>
+              </a:ext>
+            </a:extLst>
+          </p:cNvPr>
+          <p:cNvSpPr>
+            <a:spLocks noGrp="1"/>
+          </p:cNvSpPr>
+          <p:nvPr>
+            <p:ph idx="1"/>
+          </p:nvPr>
+        </p:nvSpPr>
+        <p:spPr/>
+        <p:txBody>
+          <a:bodyPr/>
+          <a:lstStyle/>
+          <a:p>
+            <a:endParaRPr lang="en-US" dirty="0"/>
+          </a:p>
+        </p:txBody>
+      </p:sp>
+      <p:pic>
+        <p:nvPicPr>
+          <p:cNvPr id="5" name="Picture 4">
+            <a:extLst>
+              <a:ext uri="{FF2B5EF4-FFF2-40B4-BE49-F238E27FC236}">
+                <a16:creationId xmlns:a16="http://schemas.microsoft.com/office/drawing/2014/main" id="{BB9DC6D4-BF2C-654E-9E0F-FE1F433806F0}"/>
+              </a:ext>
+            </a:extLst>
+          </p:cNvPr>
+          <p:cNvPicPr>
+            <a:picLocks noChangeAspect="1"/>
+          </p:cNvPicPr>
+          <p:nvPr/>
+        </p:nvPicPr>
+        <p:blipFill>
+          <a:blip r:embed="rId3"/>
+          <a:stretch>
+            <a:fillRect/>
+          </a:stretch>
+        </p:blipFill>
+        <p:spPr>
+          <a:xfrm>
+            <a:off x="354618" y="1853248"/>
+            <a:ext cx="3856963" cy="3913187"/>
+          </a:xfrm>
+          <a:prstGeom prst="rect">
+            <a:avLst/>
+          </a:prstGeom>
+        </p:spPr>
+      </p:pic>
+      <p:pic>
+        <p:nvPicPr>
+          <p:cNvPr id="6" name="Picture 5">
+            <a:extLst>
+              <a:ext uri="{FF2B5EF4-FFF2-40B4-BE49-F238E27FC236}">
+                <a16:creationId xmlns:a16="http://schemas.microsoft.com/office/drawing/2014/main" id="{2832CF5F-9C82-A845-AC50-5DEC67E724EB}"/>
+              </a:ext>
+            </a:extLst>
+          </p:cNvPr>
+          <p:cNvPicPr>
+            <a:picLocks noChangeAspect="1"/>
+          </p:cNvPicPr>
+          <p:nvPr/>
+        </p:nvPicPr>
+        <p:blipFill>
+          <a:blip r:embed="rId4"/>
+          <a:stretch>
+            <a:fillRect/>
+          </a:stretch>
+        </p:blipFill>
+        <p:spPr>
+          <a:xfrm>
+            <a:off x="4305849" y="1853248"/>
+            <a:ext cx="7862506" cy="4000797"/>
+          </a:xfrm>
+          <a:prstGeom prst="rect">
+            <a:avLst/>
+          </a:prstGeom>
+        </p:spPr>
+      </p:pic>
+    </p:spTree>
+    <p:extLst>
+      <p:ext uri="{BB962C8B-B14F-4D97-AF65-F5344CB8AC3E}">
+        <p14:creationId xmlns:p14="http://schemas.microsoft.com/office/powerpoint/2010/main" val="206221432"/>
+      </p:ext>
+    </p:extLst>
+  </p:cSld>
+  <p:clrMapOvr>
+    <a:masterClrMapping/>
+  </p:clrMapOvr>
+</p:sld>
+</file>
+
+<file path=ppt/slides/slide24.xml><?xml version="1.0" encoding="utf-8"?>
+<p:sld xmlns:a="http://schemas.openxmlformats.org/drawingml/2006/main" xmlns:r="http://schemas.openxmlformats.org/officeDocument/2006/relationships" xmlns:p="http://schemas.openxmlformats.org/presentationml/2006/main">
+  <p:cSld>
+    <p:spTree>
+      <p:nvGrpSpPr>
+        <p:cNvPr id="1" name=""/>
+        <p:cNvGrpSpPr/>
+        <p:nvPr/>
+      </p:nvGrpSpPr>
+      <p:grpSpPr>
+        <a:xfrm>
+          <a:off x="0" y="0"/>
+          <a:ext cx="0" cy="0"/>
+          <a:chOff x="0" y="0"/>
+          <a:chExt cx="0" cy="0"/>
+        </a:xfrm>
+      </p:grpSpPr>
+      <p:sp>
+        <p:nvSpPr>
+          <p:cNvPr id="2" name="Title 1">
+            <a:extLst>
+              <a:ext uri="{FF2B5EF4-FFF2-40B4-BE49-F238E27FC236}">
+                <a16:creationId xmlns:a16="http://schemas.microsoft.com/office/drawing/2014/main" id="{D22018C0-5D5D-8A4B-ACD0-FDFBD3B76642}"/>
+              </a:ext>
+            </a:extLst>
+          </p:cNvPr>
+          <p:cNvSpPr>
+            <a:spLocks noGrp="1"/>
+          </p:cNvSpPr>
+          <p:nvPr>
+            <p:ph type="title"/>
+          </p:nvPr>
+        </p:nvSpPr>
+        <p:spPr/>
+        <p:txBody>
+          <a:bodyPr/>
+          <a:lstStyle/>
+          <a:p>
+            <a:r>
+              <a:rPr lang="en-US" dirty="0"/>
+              <a:t>Volume</a:t>
+            </a:r>
+          </a:p>
+        </p:txBody>
+      </p:sp>
+      <p:sp>
+        <p:nvSpPr>
+          <p:cNvPr id="3" name="Content Placeholder 2">
+            <a:extLst>
+              <a:ext uri="{FF2B5EF4-FFF2-40B4-BE49-F238E27FC236}">
+                <a16:creationId xmlns:a16="http://schemas.microsoft.com/office/drawing/2014/main" id="{4892BBD4-3E93-C148-8DE0-15606FE0A519}"/>
+              </a:ext>
+            </a:extLst>
+          </p:cNvPr>
+          <p:cNvSpPr>
+            <a:spLocks noGrp="1"/>
+          </p:cNvSpPr>
+          <p:nvPr>
+            <p:ph idx="1"/>
+          </p:nvPr>
+        </p:nvSpPr>
+        <p:spPr/>
+        <p:txBody>
+          <a:bodyPr/>
+          <a:lstStyle/>
+          <a:p>
+            <a:r>
+              <a:rPr lang="en-US" dirty="0">
+                <a:hlinkClick r:id="rId2"/>
+              </a:rPr>
+              <a:t>https://docs.docker.com/storage/volumes/</a:t>
+            </a:r>
+            <a:endParaRPr lang="en-US" dirty="0"/>
+          </a:p>
+          <a:p>
+            <a:r>
+              <a:rPr lang="en-US" dirty="0"/>
+              <a:t>https://</a:t>
+            </a:r>
+            <a:r>
+              <a:rPr lang="en-US" dirty="0" err="1"/>
+              <a:t>stackoverflow.com</a:t>
+            </a:r>
+            <a:r>
+              <a:rPr lang="en-US" dirty="0"/>
+              <a:t>/questions/41935435/understanding-volume-instruction-in-</a:t>
+            </a:r>
+            <a:r>
+              <a:rPr lang="en-US" dirty="0" err="1"/>
+              <a:t>dockerfile</a:t>
+            </a:r>
+            <a:endParaRPr lang="en-US" dirty="0"/>
+          </a:p>
+        </p:txBody>
+      </p:sp>
+    </p:spTree>
+    <p:extLst>
+      <p:ext uri="{BB962C8B-B14F-4D97-AF65-F5344CB8AC3E}">
+        <p14:creationId xmlns:p14="http://schemas.microsoft.com/office/powerpoint/2010/main" val="1465026524"/>
+      </p:ext>
+    </p:extLst>
+  </p:cSld>
+  <p:clrMapOvr>
+    <a:masterClrMapping/>
+  </p:clrMapOvr>
+</p:sld>
+</file>
+
+<file path=ppt/slides/slide25.xml><?xml version="1.0" encoding="utf-8"?>
+<p:sld xmlns:a="http://schemas.openxmlformats.org/drawingml/2006/main" xmlns:r="http://schemas.openxmlformats.org/officeDocument/2006/relationships" xmlns:p="http://schemas.openxmlformats.org/presentationml/2006/main">
+  <p:cSld>
+    <p:spTree>
+      <p:nvGrpSpPr>
+        <p:cNvPr id="1" name=""/>
+        <p:cNvGrpSpPr/>
+        <p:nvPr/>
+      </p:nvGrpSpPr>
+      <p:grpSpPr>
+        <a:xfrm>
+          <a:off x="0" y="0"/>
+          <a:ext cx="0" cy="0"/>
+          <a:chOff x="0" y="0"/>
+          <a:chExt cx="0" cy="0"/>
+        </a:xfrm>
+      </p:grpSpPr>
+      <p:sp>
+        <p:nvSpPr>
+          <p:cNvPr id="2" name="Title 1">
+            <a:extLst>
+              <a:ext uri="{FF2B5EF4-FFF2-40B4-BE49-F238E27FC236}">
+                <a16:creationId xmlns:a16="http://schemas.microsoft.com/office/drawing/2014/main" id="{9533CDCB-64D7-3C41-A0CC-C7AE77CD4A34}"/>
+              </a:ext>
+            </a:extLst>
+          </p:cNvPr>
+          <p:cNvSpPr>
+            <a:spLocks noGrp="1"/>
+          </p:cNvSpPr>
+          <p:nvPr>
+            <p:ph type="title"/>
+          </p:nvPr>
+        </p:nvSpPr>
+        <p:spPr/>
+        <p:txBody>
+          <a:bodyPr/>
+          <a:lstStyle/>
+          <a:p>
+            <a:r>
+              <a:rPr lang="en-US" dirty="0"/>
+              <a:t>reference</a:t>
+            </a:r>
+          </a:p>
+        </p:txBody>
+      </p:sp>
+      <p:sp>
+        <p:nvSpPr>
+          <p:cNvPr id="3" name="Content Placeholder 2">
+            <a:extLst>
+              <a:ext uri="{FF2B5EF4-FFF2-40B4-BE49-F238E27FC236}">
+                <a16:creationId xmlns:a16="http://schemas.microsoft.com/office/drawing/2014/main" id="{F2CCFC75-E68E-A349-B534-82039A9BBA79}"/>
+              </a:ext>
+            </a:extLst>
+          </p:cNvPr>
+          <p:cNvSpPr>
+            <a:spLocks noGrp="1"/>
+          </p:cNvSpPr>
+          <p:nvPr>
+            <p:ph idx="1"/>
+          </p:nvPr>
+        </p:nvSpPr>
+        <p:spPr/>
+        <p:txBody>
+          <a:bodyPr/>
+          <a:lstStyle/>
+          <a:p>
+            <a:r>
+              <a:rPr lang="en-US" dirty="0">
+                <a:hlinkClick r:id="rId2"/>
+              </a:rPr>
+              <a:t>https://docs.docker.com/engine/reference</a:t>
+            </a:r>
+            <a:endParaRPr lang="en-US" dirty="0"/>
+          </a:p>
+          <a:p>
+            <a:r>
+              <a:rPr lang="en-US" dirty="0"/>
+              <a:t>https://</a:t>
+            </a:r>
+            <a:r>
+              <a:rPr lang="en-US" dirty="0" err="1"/>
+              <a:t>www.infoworld.com</a:t>
+            </a:r>
+            <a:r>
+              <a:rPr lang="en-US" dirty="0"/>
+              <a:t>/article/3310941/why-you-should-use-docker-and-</a:t>
+            </a:r>
+            <a:r>
+              <a:rPr lang="en-US" dirty="0" err="1"/>
+              <a:t>containers.html</a:t>
+            </a:r>
+            <a:endParaRPr lang="en-US" dirty="0"/>
+          </a:p>
+        </p:txBody>
+      </p:sp>
+    </p:spTree>
+    <p:extLst>
+      <p:ext uri="{BB962C8B-B14F-4D97-AF65-F5344CB8AC3E}">
+        <p14:creationId xmlns:p14="http://schemas.microsoft.com/office/powerpoint/2010/main" val="2751637536"/>
       </p:ext>
     </p:extLst>
   </p:cSld>
@@ -10886,6 +13742,13 @@
               <a:rPr lang="en-US" dirty="0"/>
               <a:t>ENTRYPOINT</a:t>
             </a:r>
+          </a:p>
+          <a:p>
+            <a:r>
+              <a:rPr lang="en-US" altLang="zh-CN" dirty="0"/>
+              <a:t>VOLUME</a:t>
+            </a:r>
+            <a:endParaRPr lang="en-US" dirty="0"/>
           </a:p>
         </p:txBody>
       </p:sp>
